--- a/week_1/3_wednesday/slides/Intro_mobsim_Alban.pptx
+++ b/week_1/3_wednesday/slides/Intro_mobsim_Alban.pptx
@@ -12,8 +12,8 @@
     <p:sldId id="354" r:id="rId3"/>
     <p:sldId id="355" r:id="rId4"/>
     <p:sldId id="364" r:id="rId5"/>
-    <p:sldId id="339" r:id="rId6"/>
-    <p:sldId id="309" r:id="rId7"/>
+    <p:sldId id="309" r:id="rId6"/>
+    <p:sldId id="339" r:id="rId7"/>
     <p:sldId id="356" r:id="rId8"/>
     <p:sldId id="358" r:id="rId9"/>
     <p:sldId id="361" r:id="rId10"/>
@@ -158,8 +158,8 @@
             <p14:sldId id="354"/>
             <p14:sldId id="355"/>
             <p14:sldId id="364"/>
+            <p14:sldId id="309"/>
             <p14:sldId id="339"/>
-            <p14:sldId id="309"/>
             <p14:sldId id="356"/>
             <p14:sldId id="358"/>
             <p14:sldId id="361"/>
@@ -700,7 +700,7 @@
           <a:p>
             <a:fld id="{69C27B4D-B25C-48FF-9660-DDCC968BAAF9}" type="slidenum">
               <a:rPr lang="en-GB" smtClean="0"/>
-              <a:t>5</a:t>
+              <a:t>6</a:t>
             </a:fld>
             <a:endParaRPr lang="en-GB"/>
           </a:p>
@@ -1028,14 +1028,14 @@
           </a:ln>
           <a:extLst>
             <a:ext uri="{909E8E84-426E-40dd-AFC4-6F175D3DCCD1}">
-              <a14:hiddenFill xmlns="" xmlns:a14="http://schemas.microsoft.com/office/drawing/2010/main">
+              <a14:hiddenFill xmlns:a14="http://schemas.microsoft.com/office/drawing/2010/main" xmlns="">
                 <a:solidFill>
                   <a:srgbClr val="FFFFFF"/>
                 </a:solidFill>
               </a14:hiddenFill>
             </a:ext>
             <a:ext uri="{91240B29-F687-4f45-9708-019B960494DF}">
-              <a14:hiddenLine xmlns="" xmlns:a14="http://schemas.microsoft.com/office/drawing/2010/main" w="9525">
+              <a14:hiddenLine xmlns:a14="http://schemas.microsoft.com/office/drawing/2010/main" xmlns="" w="9525">
                 <a:solidFill>
                   <a:srgbClr val="000000"/>
                 </a:solidFill>
@@ -1359,14 +1359,14 @@
           </a:ln>
           <a:extLst>
             <a:ext uri="{909E8E84-426E-40dd-AFC4-6F175D3DCCD1}">
-              <a14:hiddenFill xmlns="" xmlns:a14="http://schemas.microsoft.com/office/drawing/2010/main">
+              <a14:hiddenFill xmlns:a14="http://schemas.microsoft.com/office/drawing/2010/main" xmlns="">
                 <a:solidFill>
                   <a:srgbClr val="FFFFFF"/>
                 </a:solidFill>
               </a14:hiddenFill>
             </a:ext>
             <a:ext uri="{91240B29-F687-4f45-9708-019B960494DF}">
-              <a14:hiddenLine xmlns="" xmlns:a14="http://schemas.microsoft.com/office/drawing/2010/main" w="9525">
+              <a14:hiddenLine xmlns:a14="http://schemas.microsoft.com/office/drawing/2010/main" xmlns="" w="9525">
                 <a:solidFill>
                   <a:srgbClr val="000000"/>
                 </a:solidFill>
@@ -1690,14 +1690,14 @@
           </a:ln>
           <a:extLst>
             <a:ext uri="{909E8E84-426E-40dd-AFC4-6F175D3DCCD1}">
-              <a14:hiddenFill xmlns="" xmlns:a14="http://schemas.microsoft.com/office/drawing/2010/main">
+              <a14:hiddenFill xmlns:a14="http://schemas.microsoft.com/office/drawing/2010/main" xmlns="">
                 <a:solidFill>
                   <a:srgbClr val="FFFFFF"/>
                 </a:solidFill>
               </a14:hiddenFill>
             </a:ext>
             <a:ext uri="{91240B29-F687-4f45-9708-019B960494DF}">
-              <a14:hiddenLine xmlns="" xmlns:a14="http://schemas.microsoft.com/office/drawing/2010/main" w="9525">
+              <a14:hiddenLine xmlns:a14="http://schemas.microsoft.com/office/drawing/2010/main" xmlns="" w="9525">
                 <a:solidFill>
                   <a:srgbClr val="000000"/>
                 </a:solidFill>
@@ -1969,14 +1969,14 @@
           </a:ln>
           <a:extLst>
             <a:ext uri="{909E8E84-426E-40dd-AFC4-6F175D3DCCD1}">
-              <a14:hiddenFill xmlns="" xmlns:a14="http://schemas.microsoft.com/office/drawing/2010/main">
+              <a14:hiddenFill xmlns:a14="http://schemas.microsoft.com/office/drawing/2010/main" xmlns="">
                 <a:solidFill>
                   <a:srgbClr val="FFFFFF"/>
                 </a:solidFill>
               </a14:hiddenFill>
             </a:ext>
             <a:ext uri="{91240B29-F687-4f45-9708-019B960494DF}">
-              <a14:hiddenLine xmlns="" xmlns:a14="http://schemas.microsoft.com/office/drawing/2010/main" w="9525">
+              <a14:hiddenLine xmlns:a14="http://schemas.microsoft.com/office/drawing/2010/main" xmlns="" w="9525">
                 <a:solidFill>
                   <a:srgbClr val="000000"/>
                 </a:solidFill>
@@ -2222,14 +2222,14 @@
           </a:ln>
           <a:extLst>
             <a:ext uri="{909E8E84-426E-40dd-AFC4-6F175D3DCCD1}">
-              <a14:hiddenFill xmlns="" xmlns:a14="http://schemas.microsoft.com/office/drawing/2010/main">
+              <a14:hiddenFill xmlns:a14="http://schemas.microsoft.com/office/drawing/2010/main" xmlns="">
                 <a:solidFill>
                   <a:srgbClr val="FFFFFF"/>
                 </a:solidFill>
               </a14:hiddenFill>
             </a:ext>
             <a:ext uri="{91240B29-F687-4f45-9708-019B960494DF}">
-              <a14:hiddenLine xmlns="" xmlns:a14="http://schemas.microsoft.com/office/drawing/2010/main" w="9525">
+              <a14:hiddenLine xmlns:a14="http://schemas.microsoft.com/office/drawing/2010/main" xmlns="" w="9525">
                 <a:solidFill>
                   <a:srgbClr val="000000"/>
                 </a:solidFill>
@@ -2394,14 +2394,14 @@
           </a:ln>
           <a:extLst>
             <a:ext uri="{909E8E84-426E-40dd-AFC4-6F175D3DCCD1}">
-              <a14:hiddenFill xmlns="" xmlns:a14="http://schemas.microsoft.com/office/drawing/2010/main">
+              <a14:hiddenFill xmlns:a14="http://schemas.microsoft.com/office/drawing/2010/main" xmlns="">
                 <a:solidFill>
                   <a:srgbClr val="FFFFFF"/>
                 </a:solidFill>
               </a14:hiddenFill>
             </a:ext>
             <a:ext uri="{91240B29-F687-4f45-9708-019B960494DF}">
-              <a14:hiddenLine xmlns="" xmlns:a14="http://schemas.microsoft.com/office/drawing/2010/main" w="9525">
+              <a14:hiddenLine xmlns:a14="http://schemas.microsoft.com/office/drawing/2010/main" xmlns="" w="9525">
                 <a:solidFill>
                   <a:srgbClr val="000000"/>
                 </a:solidFill>
@@ -2747,14 +2747,14 @@
           </a:ln>
           <a:extLst>
             <a:ext uri="{909E8E84-426E-40dd-AFC4-6F175D3DCCD1}">
-              <a14:hiddenFill xmlns="" xmlns:a14="http://schemas.microsoft.com/office/drawing/2010/main">
+              <a14:hiddenFill xmlns:a14="http://schemas.microsoft.com/office/drawing/2010/main" xmlns="">
                 <a:solidFill>
                   <a:srgbClr val="FFFFFF"/>
                 </a:solidFill>
               </a14:hiddenFill>
             </a:ext>
             <a:ext uri="{91240B29-F687-4f45-9708-019B960494DF}">
-              <a14:hiddenLine xmlns="" xmlns:a14="http://schemas.microsoft.com/office/drawing/2010/main" w="9525">
+              <a14:hiddenLine xmlns:a14="http://schemas.microsoft.com/office/drawing/2010/main" xmlns="" w="9525">
                 <a:solidFill>
                   <a:srgbClr val="000000"/>
                 </a:solidFill>
@@ -3103,14 +3103,14 @@
           </a:ln>
           <a:extLst>
             <a:ext uri="{909E8E84-426E-40dd-AFC4-6F175D3DCCD1}">
-              <a14:hiddenFill xmlns="" xmlns:a14="http://schemas.microsoft.com/office/drawing/2010/main">
+              <a14:hiddenFill xmlns:a14="http://schemas.microsoft.com/office/drawing/2010/main" xmlns="">
                 <a:solidFill>
                   <a:srgbClr val="FFFFFF"/>
                 </a:solidFill>
               </a14:hiddenFill>
             </a:ext>
             <a:ext uri="{91240B29-F687-4f45-9708-019B960494DF}">
-              <a14:hiddenLine xmlns="" xmlns:a14="http://schemas.microsoft.com/office/drawing/2010/main" w="9525">
+              <a14:hiddenLine xmlns:a14="http://schemas.microsoft.com/office/drawing/2010/main" xmlns="" w="9525">
                 <a:solidFill>
                   <a:srgbClr val="000000"/>
                 </a:solidFill>
@@ -3361,14 +3361,14 @@
           </a:ln>
           <a:extLst>
             <a:ext uri="{909E8E84-426E-40dd-AFC4-6F175D3DCCD1}">
-              <a14:hiddenFill xmlns="" xmlns:a14="http://schemas.microsoft.com/office/drawing/2010/main">
+              <a14:hiddenFill xmlns:a14="http://schemas.microsoft.com/office/drawing/2010/main" xmlns="">
                 <a:solidFill>
                   <a:srgbClr val="FFFFFF"/>
                 </a:solidFill>
               </a14:hiddenFill>
             </a:ext>
             <a:ext uri="{91240B29-F687-4f45-9708-019B960494DF}">
-              <a14:hiddenLine xmlns="" xmlns:a14="http://schemas.microsoft.com/office/drawing/2010/main" w="9525">
+              <a14:hiddenLine xmlns:a14="http://schemas.microsoft.com/office/drawing/2010/main" xmlns="" w="9525">
                 <a:solidFill>
                   <a:srgbClr val="000000"/>
                 </a:solidFill>
@@ -3741,14 +3741,14 @@
           </a:ln>
           <a:extLst>
             <a:ext uri="{909E8E84-426E-40dd-AFC4-6F175D3DCCD1}">
-              <a14:hiddenFill xmlns="" xmlns:a14="http://schemas.microsoft.com/office/drawing/2010/main">
+              <a14:hiddenFill xmlns:a14="http://schemas.microsoft.com/office/drawing/2010/main" xmlns="">
                 <a:solidFill>
                   <a:srgbClr val="FFFFFF"/>
                 </a:solidFill>
               </a14:hiddenFill>
             </a:ext>
             <a:ext uri="{91240B29-F687-4f45-9708-019B960494DF}">
-              <a14:hiddenLine xmlns="" xmlns:a14="http://schemas.microsoft.com/office/drawing/2010/main" w="9525">
+              <a14:hiddenLine xmlns:a14="http://schemas.microsoft.com/office/drawing/2010/main" xmlns="" w="9525">
                 <a:solidFill>
                   <a:srgbClr val="000000"/>
                 </a:solidFill>
@@ -4069,14 +4069,14 @@
           </a:ln>
           <a:extLst>
             <a:ext uri="{909E8E84-426E-40dd-AFC4-6F175D3DCCD1}">
-              <a14:hiddenFill xmlns="" xmlns:a14="http://schemas.microsoft.com/office/drawing/2010/main">
+              <a14:hiddenFill xmlns:a14="http://schemas.microsoft.com/office/drawing/2010/main" xmlns="">
                 <a:solidFill>
                   <a:srgbClr val="FFFFFF"/>
                 </a:solidFill>
               </a14:hiddenFill>
             </a:ext>
             <a:ext uri="{91240B29-F687-4f45-9708-019B960494DF}">
-              <a14:hiddenLine xmlns="" xmlns:a14="http://schemas.microsoft.com/office/drawing/2010/main" w="9525">
+              <a14:hiddenLine xmlns:a14="http://schemas.microsoft.com/office/drawing/2010/main" xmlns="" w="9525">
                 <a:solidFill>
                   <a:srgbClr val="000000"/>
                 </a:solidFill>
@@ -4405,14 +4405,14 @@
           </a:ln>
           <a:extLst>
             <a:ext uri="{909E8E84-426E-40dd-AFC4-6F175D3DCCD1}">
-              <a14:hiddenFill xmlns="" xmlns:a14="http://schemas.microsoft.com/office/drawing/2010/main">
+              <a14:hiddenFill xmlns:a14="http://schemas.microsoft.com/office/drawing/2010/main" xmlns="">
                 <a:solidFill>
                   <a:srgbClr val="FFFFFF"/>
                 </a:solidFill>
               </a14:hiddenFill>
             </a:ext>
             <a:ext uri="{91240B29-F687-4f45-9708-019B960494DF}">
-              <a14:hiddenLine xmlns="" xmlns:a14="http://schemas.microsoft.com/office/drawing/2010/main" w="9525">
+              <a14:hiddenLine xmlns:a14="http://schemas.microsoft.com/office/drawing/2010/main" xmlns="" w="9525">
                 <a:solidFill>
                   <a:srgbClr val="000000"/>
                 </a:solidFill>
@@ -4689,14 +4689,14 @@
           </a:ln>
           <a:extLst>
             <a:ext uri="{909E8E84-426E-40dd-AFC4-6F175D3DCCD1}">
-              <a14:hiddenFill xmlns="" xmlns:a14="http://schemas.microsoft.com/office/drawing/2010/main">
+              <a14:hiddenFill xmlns:a14="http://schemas.microsoft.com/office/drawing/2010/main" xmlns="">
                 <a:solidFill>
                   <a:srgbClr val="FFFFFF"/>
                 </a:solidFill>
               </a14:hiddenFill>
             </a:ext>
             <a:ext uri="{91240B29-F687-4f45-9708-019B960494DF}">
-              <a14:hiddenLine xmlns="" xmlns:a14="http://schemas.microsoft.com/office/drawing/2010/main" w="9525">
+              <a14:hiddenLine xmlns:a14="http://schemas.microsoft.com/office/drawing/2010/main" xmlns="" w="9525">
                 <a:solidFill>
                   <a:srgbClr val="000000"/>
                 </a:solidFill>
@@ -4976,14 +4976,14 @@
           </a:ln>
           <a:extLst>
             <a:ext uri="{909E8E84-426E-40dd-AFC4-6F175D3DCCD1}">
-              <a14:hiddenFill xmlns="" xmlns:a14="http://schemas.microsoft.com/office/drawing/2010/main">
+              <a14:hiddenFill xmlns:a14="http://schemas.microsoft.com/office/drawing/2010/main" xmlns="">
                 <a:solidFill>
                   <a:srgbClr val="FFFFFF"/>
                 </a:solidFill>
               </a14:hiddenFill>
             </a:ext>
             <a:ext uri="{91240B29-F687-4f45-9708-019B960494DF}">
-              <a14:hiddenLine xmlns="" xmlns:a14="http://schemas.microsoft.com/office/drawing/2010/main" w="9525">
+              <a14:hiddenLine xmlns:a14="http://schemas.microsoft.com/office/drawing/2010/main" xmlns="" w="9525">
                 <a:solidFill>
                   <a:srgbClr val="000000"/>
                 </a:solidFill>
@@ -6437,66 +6437,6 @@
           </a:p>
         </p:txBody>
       </p:sp>
-      <p:sp>
-        <p:nvSpPr>
-          <p:cNvPr id="6" name="Rectangle 5">
-            <a:extLst>
-              <a:ext uri="{FF2B5EF4-FFF2-40B4-BE49-F238E27FC236}">
-                <a16:creationId xmlns:a16="http://schemas.microsoft.com/office/drawing/2014/main" id="{1ECD2A5B-7D80-4975-94A9-E5F65D7741EF}"/>
-              </a:ext>
-            </a:extLst>
-          </p:cNvPr>
-          <p:cNvSpPr/>
-          <p:nvPr/>
-        </p:nvSpPr>
-        <p:spPr>
-          <a:xfrm>
-            <a:off x="358720" y="5142244"/>
-            <a:ext cx="9799693" cy="2194560"/>
-          </a:xfrm>
-          <a:prstGeom prst="rect">
-            <a:avLst/>
-          </a:prstGeom>
-          <a:solidFill>
-            <a:schemeClr val="bg1"/>
-          </a:solidFill>
-          <a:ln w="25400">
-            <a:noFill/>
-          </a:ln>
-          <a:effectLst/>
-        </p:spPr>
-        <p:style>
-          <a:lnRef idx="1">
-            <a:schemeClr val="accent1"/>
-          </a:lnRef>
-          <a:fillRef idx="3">
-            <a:schemeClr val="accent1"/>
-          </a:fillRef>
-          <a:effectRef idx="2">
-            <a:schemeClr val="accent1"/>
-          </a:effectRef>
-          <a:fontRef idx="minor">
-            <a:schemeClr val="lt1"/>
-          </a:fontRef>
-        </p:style>
-        <p:txBody>
-          <a:bodyPr lIns="72000" tIns="72000" rIns="72000" bIns="72000" rtlCol="0" anchor="ctr">
-            <a:spAutoFit/>
-          </a:bodyPr>
-          <a:lstStyle/>
-          <a:p>
-            <a:pPr algn="ctr"/>
-            <a:endParaRPr lang="en-GB" sz="2400" dirty="0">
-              <a:solidFill>
-                <a:schemeClr val="tx1"/>
-              </a:solidFill>
-              <a:latin typeface="Verdana" panose="020B0604030504040204" pitchFamily="34" charset="0"/>
-              <a:ea typeface="Verdana" panose="020B0604030504040204" pitchFamily="34" charset="0"/>
-              <a:cs typeface="Verdana" panose="020B0604030504040204" pitchFamily="34" charset="0"/>
-            </a:endParaRPr>
-          </a:p>
-        </p:txBody>
-      </p:sp>
       <p:pic>
         <p:nvPicPr>
           <p:cNvPr id="4" name="Picture 2">
@@ -6857,7 +6797,7 @@
                                 </p:cTn>
                               </p:par>
                               <p:par>
-                                <p:cTn id="25" presetID="1" presetClass="entr" presetSubtype="0" fill="hold" grpId="0" nodeType="withEffect">
+                                <p:cTn id="25" presetID="1" presetClass="entr" presetSubtype="0" fill="hold" nodeType="withEffect">
                                   <p:stCondLst>
                                     <p:cond delay="0"/>
                                   </p:stCondLst>
@@ -6865,33 +6805,6 @@
                                     <p:set>
                                       <p:cBhvr>
                                         <p:cTn id="26" dur="1" fill="hold">
-                                          <p:stCondLst>
-                                            <p:cond delay="0"/>
-                                          </p:stCondLst>
-                                        </p:cTn>
-                                        <p:tgtEl>
-                                          <p:spTgt spid="6"/>
-                                        </p:tgtEl>
-                                        <p:attrNameLst>
-                                          <p:attrName>style.visibility</p:attrName>
-                                        </p:attrNameLst>
-                                      </p:cBhvr>
-                                      <p:to>
-                                        <p:strVal val="visible"/>
-                                      </p:to>
-                                    </p:set>
-                                  </p:childTnLst>
-                                </p:cTn>
-                              </p:par>
-                              <p:par>
-                                <p:cTn id="27" presetID="1" presetClass="entr" presetSubtype="0" fill="hold" nodeType="withEffect">
-                                  <p:stCondLst>
-                                    <p:cond delay="0"/>
-                                  </p:stCondLst>
-                                  <p:childTnLst>
-                                    <p:set>
-                                      <p:cBhvr>
-                                        <p:cTn id="28" dur="1" fill="hold">
                                           <p:stCondLst>
                                             <p:cond delay="0"/>
                                           </p:stCondLst>
@@ -6917,26 +6830,26 @@
                     </p:cTn>
                   </p:par>
                   <p:par>
-                    <p:cTn id="29" fill="hold">
+                    <p:cTn id="27" fill="hold">
                       <p:stCondLst>
                         <p:cond delay="indefinite"/>
                       </p:stCondLst>
                       <p:childTnLst>
                         <p:par>
-                          <p:cTn id="30" fill="hold">
+                          <p:cTn id="28" fill="hold">
                             <p:stCondLst>
                               <p:cond delay="0"/>
                             </p:stCondLst>
                             <p:childTnLst>
                               <p:par>
-                                <p:cTn id="31" presetID="1" presetClass="entr" presetSubtype="0" fill="hold" grpId="0" nodeType="clickEffect">
+                                <p:cTn id="29" presetID="1" presetClass="entr" presetSubtype="0" fill="hold" grpId="0" nodeType="clickEffect">
                                   <p:stCondLst>
                                     <p:cond delay="0"/>
                                   </p:stCondLst>
                                   <p:childTnLst>
                                     <p:set>
                                       <p:cBhvr>
-                                        <p:cTn id="32" dur="1" fill="hold">
+                                        <p:cTn id="30" dur="1" fill="hold">
                                           <p:stCondLst>
                                             <p:cond delay="0"/>
                                           </p:stCondLst>
@@ -6960,41 +6873,14 @@
                                 </p:cTn>
                               </p:par>
                               <p:par>
-                                <p:cTn id="33" presetID="1" presetClass="exit" presetSubtype="0" fill="hold" grpId="1" nodeType="withEffect">
+                                <p:cTn id="31" presetID="1" presetClass="exit" presetSubtype="0" fill="hold" nodeType="withEffect">
                                   <p:stCondLst>
                                     <p:cond delay="0"/>
                                   </p:stCondLst>
                                   <p:childTnLst>
                                     <p:set>
                                       <p:cBhvr>
-                                        <p:cTn id="34" dur="1" fill="hold">
-                                          <p:stCondLst>
-                                            <p:cond delay="0"/>
-                                          </p:stCondLst>
-                                        </p:cTn>
-                                        <p:tgtEl>
-                                          <p:spTgt spid="6"/>
-                                        </p:tgtEl>
-                                        <p:attrNameLst>
-                                          <p:attrName>style.visibility</p:attrName>
-                                        </p:attrNameLst>
-                                      </p:cBhvr>
-                                      <p:to>
-                                        <p:strVal val="hidden"/>
-                                      </p:to>
-                                    </p:set>
-                                  </p:childTnLst>
-                                </p:cTn>
-                              </p:par>
-                              <p:par>
-                                <p:cTn id="35" presetID="1" presetClass="exit" presetSubtype="0" fill="hold" nodeType="withEffect">
-                                  <p:stCondLst>
-                                    <p:cond delay="0"/>
-                                  </p:stCondLst>
-                                  <p:childTnLst>
-                                    <p:set>
-                                      <p:cBhvr>
-                                        <p:cTn id="36" dur="1" fill="hold">
+                                        <p:cTn id="32" dur="1" fill="hold">
                                           <p:stCondLst>
                                             <p:cond delay="0"/>
                                           </p:stCondLst>
@@ -7020,26 +6906,26 @@
                     </p:cTn>
                   </p:par>
                   <p:par>
-                    <p:cTn id="37" fill="hold">
+                    <p:cTn id="33" fill="hold">
                       <p:stCondLst>
                         <p:cond delay="indefinite"/>
                       </p:stCondLst>
                       <p:childTnLst>
                         <p:par>
-                          <p:cTn id="38" fill="hold">
+                          <p:cTn id="34" fill="hold">
                             <p:stCondLst>
                               <p:cond delay="0"/>
                             </p:stCondLst>
                             <p:childTnLst>
                               <p:par>
-                                <p:cTn id="39" presetID="1" presetClass="entr" presetSubtype="0" fill="hold" grpId="0" nodeType="clickEffect">
+                                <p:cTn id="35" presetID="1" presetClass="entr" presetSubtype="0" fill="hold" grpId="0" nodeType="clickEffect">
                                   <p:stCondLst>
                                     <p:cond delay="0"/>
                                   </p:stCondLst>
                                   <p:childTnLst>
                                     <p:set>
                                       <p:cBhvr>
-                                        <p:cTn id="40" dur="1" fill="hold">
+                                        <p:cTn id="36" dur="1" fill="hold">
                                           <p:stCondLst>
                                             <p:cond delay="0"/>
                                           </p:stCondLst>
@@ -7091,8 +6977,6 @@
     </p:tnLst>
     <p:bldLst>
       <p:bldP spid="5" grpId="0" uiExpand="1" build="p"/>
-      <p:bldP spid="6" grpId="0" animBg="1"/>
-      <p:bldP spid="6" grpId="1" animBg="1"/>
     </p:bldLst>
   </p:timing>
 </p:sld>
@@ -7174,7 +7058,7 @@
         </p:spPr>
         <p:txBody>
           <a:bodyPr vert="horz" lIns="0" tIns="0" rIns="0" bIns="0" rtlCol="0">
-            <a:normAutofit fontScale="92500"/>
+            <a:normAutofit fontScale="85000" lnSpcReduction="20000"/>
           </a:bodyPr>
           <a:lstStyle>
             <a:lvl1pPr marL="285750" indent="-285750" algn="l" defTabSz="285750" rtl="0" eaLnBrk="0" fontAlgn="base" hangingPunct="0">
@@ -7456,6 +7340,16 @@
             <a:r>
               <a:rPr lang="en-US" b="1" dirty="0"/>
               <a:t>Verify your expectations + ecological interpretation</a:t>
+            </a:r>
+          </a:p>
+          <a:p>
+            <a:pPr marL="457200" indent="-457200">
+              <a:buFont typeface="+mj-lt"/>
+              <a:buAutoNum type="arabicPeriod"/>
+            </a:pPr>
+            <a:r>
+              <a:rPr lang="en-US" b="1" dirty="0"/>
+              <a:t>What is the best sampling design? Why?</a:t>
             </a:r>
           </a:p>
           <a:p>
@@ -7986,6 +7880,55 @@
                       </p:childTnLst>
                     </p:cTn>
                   </p:par>
+                  <p:par>
+                    <p:cTn id="41" fill="hold">
+                      <p:stCondLst>
+                        <p:cond delay="indefinite"/>
+                      </p:stCondLst>
+                      <p:childTnLst>
+                        <p:par>
+                          <p:cTn id="42" fill="hold">
+                            <p:stCondLst>
+                              <p:cond delay="0"/>
+                            </p:stCondLst>
+                            <p:childTnLst>
+                              <p:par>
+                                <p:cTn id="43" presetID="1" presetClass="entr" presetSubtype="0" fill="hold" grpId="0" nodeType="clickEffect">
+                                  <p:stCondLst>
+                                    <p:cond delay="0"/>
+                                  </p:stCondLst>
+                                  <p:childTnLst>
+                                    <p:set>
+                                      <p:cBhvr>
+                                        <p:cTn id="44" dur="1" fill="hold">
+                                          <p:stCondLst>
+                                            <p:cond delay="0"/>
+                                          </p:stCondLst>
+                                        </p:cTn>
+                                        <p:tgtEl>
+                                          <p:spTgt spid="5">
+                                            <p:txEl>
+                                              <p:pRg st="13" end="13"/>
+                                            </p:txEl>
+                                          </p:spTgt>
+                                        </p:tgtEl>
+                                        <p:attrNameLst>
+                                          <p:attrName>style.visibility</p:attrName>
+                                        </p:attrNameLst>
+                                      </p:cBhvr>
+                                      <p:to>
+                                        <p:strVal val="visible"/>
+                                      </p:to>
+                                    </p:set>
+                                  </p:childTnLst>
+                                </p:cTn>
+                              </p:par>
+                            </p:childTnLst>
+                          </p:cTn>
+                        </p:par>
+                      </p:childTnLst>
+                    </p:cTn>
+                  </p:par>
                 </p:childTnLst>
               </p:cTn>
               <p:prevCondLst>
@@ -9806,292 +9749,313 @@
           </a:p>
         </p:txBody>
       </p:sp>
-      <p:sp>
-        <p:nvSpPr>
-          <p:cNvPr id="19" name="Textfeld 18"/>
-          <p:cNvSpPr txBox="1"/>
+      <p:grpSp>
+        <p:nvGrpSpPr>
+          <p:cNvPr id="2" name="Group 1">
+            <a:extLst>
+              <a:ext uri="{FF2B5EF4-FFF2-40B4-BE49-F238E27FC236}">
+                <a16:creationId xmlns:a16="http://schemas.microsoft.com/office/drawing/2014/main" id="{918C5CF0-FC9F-49C2-863D-D2C08A7E0184}"/>
+              </a:ext>
+            </a:extLst>
+          </p:cNvPr>
+          <p:cNvGrpSpPr/>
           <p:nvPr/>
-        </p:nvSpPr>
-        <p:spPr>
+        </p:nvGrpSpPr>
+        <p:grpSpPr>
           <a:xfrm>
             <a:off x="6159326" y="2800300"/>
-            <a:ext cx="2160240" cy="688256"/>
+            <a:ext cx="2160240" cy="1664544"/>
+            <a:chOff x="6159326" y="2800300"/>
+            <a:chExt cx="2160240" cy="1664544"/>
           </a:xfrm>
-          <a:prstGeom prst="rect">
-            <a:avLst/>
-          </a:prstGeom>
-          <a:solidFill>
-            <a:srgbClr val="558EC7"/>
-          </a:solidFill>
-          <a:ln>
-            <a:noFill/>
-          </a:ln>
-          <a:effectLst>
-            <a:outerShdw blurRad="50800" dist="38100" dir="2700000" algn="tl" rotWithShape="0">
-              <a:prstClr val="black">
-                <a:alpha val="40000"/>
-              </a:prstClr>
-            </a:outerShdw>
-          </a:effectLst>
-        </p:spPr>
-        <p:style>
-          <a:lnRef idx="2">
-            <a:schemeClr val="accent3">
-              <a:shade val="50000"/>
-            </a:schemeClr>
-          </a:lnRef>
-          <a:fillRef idx="1">
-            <a:schemeClr val="accent3"/>
-          </a:fillRef>
-          <a:effectRef idx="0">
-            <a:schemeClr val="accent3"/>
-          </a:effectRef>
-          <a:fontRef idx="minor">
-            <a:schemeClr val="lt1"/>
-          </a:fontRef>
-        </p:style>
-        <p:txBody>
-          <a:bodyPr wrap="square" lIns="72000" tIns="36000" rIns="72000" bIns="36000" rtlCol="0" anchor="ctr">
-            <a:spAutoFit/>
-          </a:bodyPr>
-          <a:lstStyle>
-            <a:defPPr>
-              <a:defRPr lang="de-DE"/>
-            </a:defPPr>
-            <a:lvl1pPr algn="ctr">
-              <a:defRPr sz="2000">
-                <a:solidFill>
-                  <a:schemeClr val="bg1"/>
-                </a:solidFill>
-                <a:latin typeface="Verdana" panose="020B0604030504040204" pitchFamily="34" charset="0"/>
-                <a:ea typeface="Verdana" panose="020B0604030504040204" pitchFamily="34" charset="0"/>
-                <a:cs typeface="Verdana" panose="020B0604030504040204" pitchFamily="34" charset="0"/>
-              </a:defRPr>
-            </a:lvl1pPr>
-            <a:lvl2pPr>
-              <a:defRPr>
-                <a:solidFill>
-                  <a:schemeClr val="lt1"/>
-                </a:solidFill>
-                <a:latin typeface="+mn-lt"/>
-                <a:ea typeface="+mn-ea"/>
-              </a:defRPr>
-            </a:lvl2pPr>
-            <a:lvl3pPr>
-              <a:defRPr>
-                <a:solidFill>
-                  <a:schemeClr val="lt1"/>
-                </a:solidFill>
-                <a:latin typeface="+mn-lt"/>
-                <a:ea typeface="+mn-ea"/>
-              </a:defRPr>
-            </a:lvl3pPr>
-            <a:lvl4pPr>
-              <a:defRPr>
-                <a:solidFill>
-                  <a:schemeClr val="lt1"/>
-                </a:solidFill>
-                <a:latin typeface="+mn-lt"/>
-                <a:ea typeface="+mn-ea"/>
-              </a:defRPr>
-            </a:lvl4pPr>
-            <a:lvl5pPr>
-              <a:defRPr>
-                <a:solidFill>
-                  <a:schemeClr val="lt1"/>
-                </a:solidFill>
-                <a:latin typeface="+mn-lt"/>
-                <a:ea typeface="+mn-ea"/>
-              </a:defRPr>
-            </a:lvl5pPr>
-            <a:lvl6pPr>
-              <a:defRPr>
-                <a:solidFill>
-                  <a:schemeClr val="lt1"/>
-                </a:solidFill>
-                <a:latin typeface="+mn-lt"/>
-                <a:ea typeface="+mn-ea"/>
-              </a:defRPr>
-            </a:lvl6pPr>
-            <a:lvl7pPr>
-              <a:defRPr>
-                <a:solidFill>
-                  <a:schemeClr val="lt1"/>
-                </a:solidFill>
-                <a:latin typeface="+mn-lt"/>
-                <a:ea typeface="+mn-ea"/>
-              </a:defRPr>
-            </a:lvl7pPr>
-            <a:lvl8pPr>
-              <a:defRPr>
-                <a:solidFill>
-                  <a:schemeClr val="lt1"/>
-                </a:solidFill>
-                <a:latin typeface="+mn-lt"/>
-                <a:ea typeface="+mn-ea"/>
-              </a:defRPr>
-            </a:lvl8pPr>
-            <a:lvl9pPr>
-              <a:defRPr>
-                <a:solidFill>
-                  <a:schemeClr val="lt1"/>
-                </a:solidFill>
-                <a:latin typeface="+mn-lt"/>
-                <a:ea typeface="+mn-ea"/>
-              </a:defRPr>
-            </a:lvl9pPr>
-          </a:lstStyle>
-          <a:p>
-            <a:r>
-              <a:rPr lang="en-GB" dirty="0"/>
-              <a:t>Change parameters</a:t>
-            </a:r>
-          </a:p>
-        </p:txBody>
-      </p:sp>
-      <p:sp>
-        <p:nvSpPr>
-          <p:cNvPr id="14" name="Textfeld 13"/>
-          <p:cNvSpPr txBox="1"/>
-          <p:nvPr/>
-        </p:nvSpPr>
-        <p:spPr>
-          <a:xfrm>
-            <a:off x="6159326" y="3776588"/>
-            <a:ext cx="2160240" cy="688256"/>
-          </a:xfrm>
-          <a:prstGeom prst="rect">
-            <a:avLst/>
-          </a:prstGeom>
-          <a:solidFill>
-            <a:srgbClr val="558EC7"/>
-          </a:solidFill>
-          <a:ln>
-            <a:noFill/>
-          </a:ln>
-          <a:effectLst>
-            <a:outerShdw blurRad="50800" dist="38100" dir="2700000" algn="tl" rotWithShape="0">
-              <a:prstClr val="black">
-                <a:alpha val="40000"/>
-              </a:prstClr>
-            </a:outerShdw>
-          </a:effectLst>
-        </p:spPr>
-        <p:style>
-          <a:lnRef idx="2">
-            <a:schemeClr val="accent3">
-              <a:shade val="50000"/>
-            </a:schemeClr>
-          </a:lnRef>
-          <a:fillRef idx="1">
-            <a:schemeClr val="accent3"/>
-          </a:fillRef>
-          <a:effectRef idx="0">
-            <a:schemeClr val="accent3"/>
-          </a:effectRef>
-          <a:fontRef idx="minor">
-            <a:schemeClr val="lt1"/>
-          </a:fontRef>
-        </p:style>
-        <p:txBody>
-          <a:bodyPr wrap="square" lIns="72000" tIns="36000" rIns="72000" bIns="36000" rtlCol="0" anchor="ctr">
-            <a:spAutoFit/>
-          </a:bodyPr>
-          <a:lstStyle>
-            <a:defPPr>
-              <a:defRPr lang="de-DE"/>
-            </a:defPPr>
-            <a:lvl1pPr algn="ctr">
-              <a:defRPr sz="2000">
-                <a:solidFill>
-                  <a:schemeClr val="bg1"/>
-                </a:solidFill>
-                <a:latin typeface="Verdana" panose="020B0604030504040204" pitchFamily="34" charset="0"/>
-                <a:ea typeface="Verdana" panose="020B0604030504040204" pitchFamily="34" charset="0"/>
-                <a:cs typeface="Verdana" panose="020B0604030504040204" pitchFamily="34" charset="0"/>
-              </a:defRPr>
-            </a:lvl1pPr>
-            <a:lvl2pPr>
-              <a:defRPr>
-                <a:solidFill>
-                  <a:schemeClr val="lt1"/>
-                </a:solidFill>
-                <a:latin typeface="+mn-lt"/>
-                <a:ea typeface="+mn-ea"/>
-              </a:defRPr>
-            </a:lvl2pPr>
-            <a:lvl3pPr>
-              <a:defRPr>
-                <a:solidFill>
-                  <a:schemeClr val="lt1"/>
-                </a:solidFill>
-                <a:latin typeface="+mn-lt"/>
-                <a:ea typeface="+mn-ea"/>
-              </a:defRPr>
-            </a:lvl3pPr>
-            <a:lvl4pPr>
-              <a:defRPr>
-                <a:solidFill>
-                  <a:schemeClr val="lt1"/>
-                </a:solidFill>
-                <a:latin typeface="+mn-lt"/>
-                <a:ea typeface="+mn-ea"/>
-              </a:defRPr>
-            </a:lvl4pPr>
-            <a:lvl5pPr>
-              <a:defRPr>
-                <a:solidFill>
-                  <a:schemeClr val="lt1"/>
-                </a:solidFill>
-                <a:latin typeface="+mn-lt"/>
-                <a:ea typeface="+mn-ea"/>
-              </a:defRPr>
-            </a:lvl5pPr>
-            <a:lvl6pPr>
-              <a:defRPr>
-                <a:solidFill>
-                  <a:schemeClr val="lt1"/>
-                </a:solidFill>
-                <a:latin typeface="+mn-lt"/>
-                <a:ea typeface="+mn-ea"/>
-              </a:defRPr>
-            </a:lvl6pPr>
-            <a:lvl7pPr>
-              <a:defRPr>
-                <a:solidFill>
-                  <a:schemeClr val="lt1"/>
-                </a:solidFill>
-                <a:latin typeface="+mn-lt"/>
-                <a:ea typeface="+mn-ea"/>
-              </a:defRPr>
-            </a:lvl7pPr>
-            <a:lvl8pPr>
-              <a:defRPr>
-                <a:solidFill>
-                  <a:schemeClr val="lt1"/>
-                </a:solidFill>
-                <a:latin typeface="+mn-lt"/>
-                <a:ea typeface="+mn-ea"/>
-              </a:defRPr>
-            </a:lvl8pPr>
-            <a:lvl9pPr>
-              <a:defRPr>
-                <a:solidFill>
-                  <a:schemeClr val="lt1"/>
-                </a:solidFill>
-                <a:latin typeface="+mn-lt"/>
-                <a:ea typeface="+mn-ea"/>
-              </a:defRPr>
-            </a:lvl9pPr>
-          </a:lstStyle>
-          <a:p>
-            <a:r>
-              <a:rPr lang="en-GB" dirty="0"/>
-              <a:t>Test hypotheses</a:t>
-            </a:r>
-          </a:p>
-        </p:txBody>
-      </p:sp>
+        </p:grpSpPr>
+        <p:sp>
+          <p:nvSpPr>
+            <p:cNvPr id="19" name="Textfeld 18"/>
+            <p:cNvSpPr txBox="1"/>
+            <p:nvPr/>
+          </p:nvSpPr>
+          <p:spPr>
+            <a:xfrm>
+              <a:off x="6159326" y="2800300"/>
+              <a:ext cx="2160240" cy="688256"/>
+            </a:xfrm>
+            <a:prstGeom prst="rect">
+              <a:avLst/>
+            </a:prstGeom>
+            <a:solidFill>
+              <a:srgbClr val="558EC7"/>
+            </a:solidFill>
+            <a:ln>
+              <a:noFill/>
+            </a:ln>
+            <a:effectLst>
+              <a:outerShdw blurRad="50800" dist="38100" dir="2700000" algn="tl" rotWithShape="0">
+                <a:prstClr val="black">
+                  <a:alpha val="40000"/>
+                </a:prstClr>
+              </a:outerShdw>
+            </a:effectLst>
+          </p:spPr>
+          <p:style>
+            <a:lnRef idx="2">
+              <a:schemeClr val="accent3">
+                <a:shade val="50000"/>
+              </a:schemeClr>
+            </a:lnRef>
+            <a:fillRef idx="1">
+              <a:schemeClr val="accent3"/>
+            </a:fillRef>
+            <a:effectRef idx="0">
+              <a:schemeClr val="accent3"/>
+            </a:effectRef>
+            <a:fontRef idx="minor">
+              <a:schemeClr val="lt1"/>
+            </a:fontRef>
+          </p:style>
+          <p:txBody>
+            <a:bodyPr wrap="square" lIns="72000" tIns="36000" rIns="72000" bIns="36000" rtlCol="0" anchor="ctr">
+              <a:spAutoFit/>
+            </a:bodyPr>
+            <a:lstStyle>
+              <a:defPPr>
+                <a:defRPr lang="de-DE"/>
+              </a:defPPr>
+              <a:lvl1pPr algn="ctr">
+                <a:defRPr sz="2000">
+                  <a:solidFill>
+                    <a:schemeClr val="bg1"/>
+                  </a:solidFill>
+                  <a:latin typeface="Verdana" panose="020B0604030504040204" pitchFamily="34" charset="0"/>
+                  <a:ea typeface="Verdana" panose="020B0604030504040204" pitchFamily="34" charset="0"/>
+                  <a:cs typeface="Verdana" panose="020B0604030504040204" pitchFamily="34" charset="0"/>
+                </a:defRPr>
+              </a:lvl1pPr>
+              <a:lvl2pPr>
+                <a:defRPr>
+                  <a:solidFill>
+                    <a:schemeClr val="lt1"/>
+                  </a:solidFill>
+                  <a:latin typeface="+mn-lt"/>
+                  <a:ea typeface="+mn-ea"/>
+                </a:defRPr>
+              </a:lvl2pPr>
+              <a:lvl3pPr>
+                <a:defRPr>
+                  <a:solidFill>
+                    <a:schemeClr val="lt1"/>
+                  </a:solidFill>
+                  <a:latin typeface="+mn-lt"/>
+                  <a:ea typeface="+mn-ea"/>
+                </a:defRPr>
+              </a:lvl3pPr>
+              <a:lvl4pPr>
+                <a:defRPr>
+                  <a:solidFill>
+                    <a:schemeClr val="lt1"/>
+                  </a:solidFill>
+                  <a:latin typeface="+mn-lt"/>
+                  <a:ea typeface="+mn-ea"/>
+                </a:defRPr>
+              </a:lvl4pPr>
+              <a:lvl5pPr>
+                <a:defRPr>
+                  <a:solidFill>
+                    <a:schemeClr val="lt1"/>
+                  </a:solidFill>
+                  <a:latin typeface="+mn-lt"/>
+                  <a:ea typeface="+mn-ea"/>
+                </a:defRPr>
+              </a:lvl5pPr>
+              <a:lvl6pPr>
+                <a:defRPr>
+                  <a:solidFill>
+                    <a:schemeClr val="lt1"/>
+                  </a:solidFill>
+                  <a:latin typeface="+mn-lt"/>
+                  <a:ea typeface="+mn-ea"/>
+                </a:defRPr>
+              </a:lvl6pPr>
+              <a:lvl7pPr>
+                <a:defRPr>
+                  <a:solidFill>
+                    <a:schemeClr val="lt1"/>
+                  </a:solidFill>
+                  <a:latin typeface="+mn-lt"/>
+                  <a:ea typeface="+mn-ea"/>
+                </a:defRPr>
+              </a:lvl7pPr>
+              <a:lvl8pPr>
+                <a:defRPr>
+                  <a:solidFill>
+                    <a:schemeClr val="lt1"/>
+                  </a:solidFill>
+                  <a:latin typeface="+mn-lt"/>
+                  <a:ea typeface="+mn-ea"/>
+                </a:defRPr>
+              </a:lvl8pPr>
+              <a:lvl9pPr>
+                <a:defRPr>
+                  <a:solidFill>
+                    <a:schemeClr val="lt1"/>
+                  </a:solidFill>
+                  <a:latin typeface="+mn-lt"/>
+                  <a:ea typeface="+mn-ea"/>
+                </a:defRPr>
+              </a:lvl9pPr>
+            </a:lstStyle>
+            <a:p>
+              <a:r>
+                <a:rPr lang="en-GB" dirty="0"/>
+                <a:t>Change parameters</a:t>
+              </a:r>
+            </a:p>
+          </p:txBody>
+        </p:sp>
+        <p:sp>
+          <p:nvSpPr>
+            <p:cNvPr id="14" name="Textfeld 13"/>
+            <p:cNvSpPr txBox="1"/>
+            <p:nvPr/>
+          </p:nvSpPr>
+          <p:spPr>
+            <a:xfrm>
+              <a:off x="6159326" y="3776588"/>
+              <a:ext cx="2160240" cy="688256"/>
+            </a:xfrm>
+            <a:prstGeom prst="rect">
+              <a:avLst/>
+            </a:prstGeom>
+            <a:solidFill>
+              <a:srgbClr val="558EC7"/>
+            </a:solidFill>
+            <a:ln>
+              <a:noFill/>
+            </a:ln>
+            <a:effectLst>
+              <a:outerShdw blurRad="50800" dist="38100" dir="2700000" algn="tl" rotWithShape="0">
+                <a:prstClr val="black">
+                  <a:alpha val="40000"/>
+                </a:prstClr>
+              </a:outerShdw>
+            </a:effectLst>
+          </p:spPr>
+          <p:style>
+            <a:lnRef idx="2">
+              <a:schemeClr val="accent3">
+                <a:shade val="50000"/>
+              </a:schemeClr>
+            </a:lnRef>
+            <a:fillRef idx="1">
+              <a:schemeClr val="accent3"/>
+            </a:fillRef>
+            <a:effectRef idx="0">
+              <a:schemeClr val="accent3"/>
+            </a:effectRef>
+            <a:fontRef idx="minor">
+              <a:schemeClr val="lt1"/>
+            </a:fontRef>
+          </p:style>
+          <p:txBody>
+            <a:bodyPr wrap="square" lIns="72000" tIns="36000" rIns="72000" bIns="36000" rtlCol="0" anchor="ctr">
+              <a:spAutoFit/>
+            </a:bodyPr>
+            <a:lstStyle>
+              <a:defPPr>
+                <a:defRPr lang="de-DE"/>
+              </a:defPPr>
+              <a:lvl1pPr algn="ctr">
+                <a:defRPr sz="2000">
+                  <a:solidFill>
+                    <a:schemeClr val="bg1"/>
+                  </a:solidFill>
+                  <a:latin typeface="Verdana" panose="020B0604030504040204" pitchFamily="34" charset="0"/>
+                  <a:ea typeface="Verdana" panose="020B0604030504040204" pitchFamily="34" charset="0"/>
+                  <a:cs typeface="Verdana" panose="020B0604030504040204" pitchFamily="34" charset="0"/>
+                </a:defRPr>
+              </a:lvl1pPr>
+              <a:lvl2pPr>
+                <a:defRPr>
+                  <a:solidFill>
+                    <a:schemeClr val="lt1"/>
+                  </a:solidFill>
+                  <a:latin typeface="+mn-lt"/>
+                  <a:ea typeface="+mn-ea"/>
+                </a:defRPr>
+              </a:lvl2pPr>
+              <a:lvl3pPr>
+                <a:defRPr>
+                  <a:solidFill>
+                    <a:schemeClr val="lt1"/>
+                  </a:solidFill>
+                  <a:latin typeface="+mn-lt"/>
+                  <a:ea typeface="+mn-ea"/>
+                </a:defRPr>
+              </a:lvl3pPr>
+              <a:lvl4pPr>
+                <a:defRPr>
+                  <a:solidFill>
+                    <a:schemeClr val="lt1"/>
+                  </a:solidFill>
+                  <a:latin typeface="+mn-lt"/>
+                  <a:ea typeface="+mn-ea"/>
+                </a:defRPr>
+              </a:lvl4pPr>
+              <a:lvl5pPr>
+                <a:defRPr>
+                  <a:solidFill>
+                    <a:schemeClr val="lt1"/>
+                  </a:solidFill>
+                  <a:latin typeface="+mn-lt"/>
+                  <a:ea typeface="+mn-ea"/>
+                </a:defRPr>
+              </a:lvl5pPr>
+              <a:lvl6pPr>
+                <a:defRPr>
+                  <a:solidFill>
+                    <a:schemeClr val="lt1"/>
+                  </a:solidFill>
+                  <a:latin typeface="+mn-lt"/>
+                  <a:ea typeface="+mn-ea"/>
+                </a:defRPr>
+              </a:lvl6pPr>
+              <a:lvl7pPr>
+                <a:defRPr>
+                  <a:solidFill>
+                    <a:schemeClr val="lt1"/>
+                  </a:solidFill>
+                  <a:latin typeface="+mn-lt"/>
+                  <a:ea typeface="+mn-ea"/>
+                </a:defRPr>
+              </a:lvl7pPr>
+              <a:lvl8pPr>
+                <a:defRPr>
+                  <a:solidFill>
+                    <a:schemeClr val="lt1"/>
+                  </a:solidFill>
+                  <a:latin typeface="+mn-lt"/>
+                  <a:ea typeface="+mn-ea"/>
+                </a:defRPr>
+              </a:lvl8pPr>
+              <a:lvl9pPr>
+                <a:defRPr>
+                  <a:solidFill>
+                    <a:schemeClr val="lt1"/>
+                  </a:solidFill>
+                  <a:latin typeface="+mn-lt"/>
+                  <a:ea typeface="+mn-ea"/>
+                </a:defRPr>
+              </a:lvl9pPr>
+            </a:lstStyle>
+            <a:p>
+              <a:r>
+                <a:rPr lang="en-GB" dirty="0"/>
+                <a:t>Test hypotheses</a:t>
+              </a:r>
+            </a:p>
+          </p:txBody>
+        </p:sp>
+      </p:grpSp>
     </p:spTree>
     <p:extLst>
       <p:ext uri="{BB962C8B-B14F-4D97-AF65-F5344CB8AC3E}">
@@ -10114,9 +10078,6 @@
                     <p:cTn id="3" fill="hold">
                       <p:stCondLst>
                         <p:cond delay="indefinite"/>
-                        <p:cond evt="onBegin" delay="0">
-                          <p:tn val="2"/>
-                        </p:cond>
                       </p:stCondLst>
                       <p:childTnLst>
                         <p:par>
@@ -10126,7 +10087,7 @@
                             </p:stCondLst>
                             <p:childTnLst>
                               <p:par>
-                                <p:cTn id="5" presetID="1" presetClass="entr" presetSubtype="0" fill="hold" grpId="0" nodeType="withEffect">
+                                <p:cTn id="5" presetID="1" presetClass="entr" presetSubtype="0" fill="hold" nodeType="clickEffect">
                                   <p:stCondLst>
                                     <p:cond delay="0"/>
                                   </p:stCondLst>
@@ -10139,34 +10100,7 @@
                                           </p:stCondLst>
                                         </p:cTn>
                                         <p:tgtEl>
-                                          <p:spTgt spid="19"/>
-                                        </p:tgtEl>
-                                        <p:attrNameLst>
-                                          <p:attrName>style.visibility</p:attrName>
-                                        </p:attrNameLst>
-                                      </p:cBhvr>
-                                      <p:to>
-                                        <p:strVal val="visible"/>
-                                      </p:to>
-                                    </p:set>
-                                  </p:childTnLst>
-                                </p:cTn>
-                              </p:par>
-                              <p:par>
-                                <p:cTn id="7" presetID="1" presetClass="entr" presetSubtype="0" fill="hold" grpId="0" nodeType="withEffect">
-                                  <p:stCondLst>
-                                    <p:cond delay="0"/>
-                                  </p:stCondLst>
-                                  <p:childTnLst>
-                                    <p:set>
-                                      <p:cBhvr>
-                                        <p:cTn id="8" dur="1" fill="hold">
-                                          <p:stCondLst>
-                                            <p:cond delay="0"/>
-                                          </p:stCondLst>
-                                        </p:cTn>
-                                        <p:tgtEl>
-                                          <p:spTgt spid="14"/>
+                                          <p:spTgt spid="2"/>
                                         </p:tgtEl>
                                         <p:attrNameLst>
                                           <p:attrName>style.visibility</p:attrName>
@@ -10206,10 +10140,6 @@
         </p:cTn>
       </p:par>
     </p:tnLst>
-    <p:bldLst>
-      <p:bldP spid="19" grpId="0" animBg="1"/>
-      <p:bldP spid="14" grpId="0" animBg="1"/>
-    </p:bldLst>
   </p:timing>
 </p:sld>
 </file>
@@ -11253,917 +11183,6 @@
 </file>
 
 <file path=ppt/slides/slide5.xml><?xml version="1.0" encoding="utf-8"?>
-<p:sld xmlns:a="http://schemas.openxmlformats.org/drawingml/2006/main" xmlns:r="http://schemas.openxmlformats.org/officeDocument/2006/relationships" xmlns:p="http://schemas.openxmlformats.org/presentationml/2006/main">
-  <p:cSld>
-    <p:spTree>
-      <p:nvGrpSpPr>
-        <p:cNvPr id="1" name=""/>
-        <p:cNvGrpSpPr/>
-        <p:nvPr/>
-      </p:nvGrpSpPr>
-      <p:grpSpPr>
-        <a:xfrm>
-          <a:off x="0" y="0"/>
-          <a:ext cx="0" cy="0"/>
-          <a:chOff x="0" y="0"/>
-          <a:chExt cx="0" cy="0"/>
-        </a:xfrm>
-      </p:grpSpPr>
-      <p:sp>
-        <p:nvSpPr>
-          <p:cNvPr id="3" name="Textplatzhalter 2"/>
-          <p:cNvSpPr>
-            <a:spLocks noGrp="1"/>
-          </p:cNvSpPr>
-          <p:nvPr>
-            <p:ph type="body" sz="quarter" idx="12"/>
-          </p:nvPr>
-        </p:nvSpPr>
-        <p:spPr>
-          <a:xfrm>
-            <a:off x="398686" y="208012"/>
-            <a:ext cx="9361040" cy="1079500"/>
-          </a:xfrm>
-        </p:spPr>
-        <p:txBody>
-          <a:bodyPr>
-            <a:normAutofit/>
-          </a:bodyPr>
-          <a:lstStyle/>
-          <a:p>
-            <a:r>
-              <a:rPr lang="en-US" dirty="0"/>
-              <a:t>Spatial analysis of scale-dependent biodiversity changes </a:t>
-            </a:r>
-          </a:p>
-        </p:txBody>
-      </p:sp>
-      <p:cxnSp>
-        <p:nvCxnSpPr>
-          <p:cNvPr id="17" name="Gerade Verbindung mit Pfeil 16"/>
-          <p:cNvCxnSpPr>
-            <a:stCxn id="27" idx="0"/>
-            <a:endCxn id="2" idx="2"/>
-          </p:cNvCxnSpPr>
-          <p:nvPr/>
-        </p:nvCxnSpPr>
-        <p:spPr>
-          <a:xfrm flipV="1">
-            <a:off x="1591392" y="2364348"/>
-            <a:ext cx="3454694" cy="651976"/>
-          </a:xfrm>
-          <a:prstGeom prst="straightConnector1">
-            <a:avLst/>
-          </a:prstGeom>
-          <a:ln>
-            <a:solidFill>
-              <a:schemeClr val="tx1"/>
-            </a:solidFill>
-            <a:tailEnd type="triangle"/>
-          </a:ln>
-        </p:spPr>
-        <p:style>
-          <a:lnRef idx="2">
-            <a:schemeClr val="accent1"/>
-          </a:lnRef>
-          <a:fillRef idx="0">
-            <a:schemeClr val="accent1"/>
-          </a:fillRef>
-          <a:effectRef idx="1">
-            <a:schemeClr val="accent1"/>
-          </a:effectRef>
-          <a:fontRef idx="minor">
-            <a:schemeClr val="tx1"/>
-          </a:fontRef>
-        </p:style>
-      </p:cxnSp>
-      <p:cxnSp>
-        <p:nvCxnSpPr>
-          <p:cNvPr id="19" name="Gerade Verbindung mit Pfeil 18"/>
-          <p:cNvCxnSpPr>
-            <a:stCxn id="36" idx="0"/>
-            <a:endCxn id="2" idx="2"/>
-          </p:cNvCxnSpPr>
-          <p:nvPr/>
-        </p:nvCxnSpPr>
-        <p:spPr>
-          <a:xfrm flipV="1">
-            <a:off x="5046086" y="2364348"/>
-            <a:ext cx="0" cy="657883"/>
-          </a:xfrm>
-          <a:prstGeom prst="straightConnector1">
-            <a:avLst/>
-          </a:prstGeom>
-          <a:ln>
-            <a:solidFill>
-              <a:schemeClr val="tx1"/>
-            </a:solidFill>
-            <a:tailEnd type="triangle"/>
-          </a:ln>
-        </p:spPr>
-        <p:style>
-          <a:lnRef idx="2">
-            <a:schemeClr val="accent1"/>
-          </a:lnRef>
-          <a:fillRef idx="0">
-            <a:schemeClr val="accent1"/>
-          </a:fillRef>
-          <a:effectRef idx="1">
-            <a:schemeClr val="accent1"/>
-          </a:effectRef>
-          <a:fontRef idx="minor">
-            <a:schemeClr val="tx1"/>
-          </a:fontRef>
-        </p:style>
-      </p:cxnSp>
-      <p:cxnSp>
-        <p:nvCxnSpPr>
-          <p:cNvPr id="21" name="Gerade Verbindung mit Pfeil 20"/>
-          <p:cNvCxnSpPr>
-            <a:stCxn id="37" idx="0"/>
-            <a:endCxn id="2" idx="2"/>
-          </p:cNvCxnSpPr>
-          <p:nvPr/>
-        </p:nvCxnSpPr>
-        <p:spPr>
-          <a:xfrm flipH="1" flipV="1">
-            <a:off x="5046086" y="2364348"/>
-            <a:ext cx="3381493" cy="674909"/>
-          </a:xfrm>
-          <a:prstGeom prst="straightConnector1">
-            <a:avLst/>
-          </a:prstGeom>
-          <a:ln>
-            <a:solidFill>
-              <a:schemeClr val="tx1"/>
-            </a:solidFill>
-            <a:tailEnd type="triangle"/>
-          </a:ln>
-        </p:spPr>
-        <p:style>
-          <a:lnRef idx="2">
-            <a:schemeClr val="accent1"/>
-          </a:lnRef>
-          <a:fillRef idx="0">
-            <a:schemeClr val="accent1"/>
-          </a:fillRef>
-          <a:effectRef idx="1">
-            <a:schemeClr val="accent1"/>
-          </a:effectRef>
-          <a:fontRef idx="minor">
-            <a:schemeClr val="tx1"/>
-          </a:fontRef>
-        </p:style>
-      </p:cxnSp>
-      <p:sp>
-        <p:nvSpPr>
-          <p:cNvPr id="2" name="Abgerundetes Rechteck 1"/>
-          <p:cNvSpPr/>
-          <p:nvPr/>
-        </p:nvSpPr>
-        <p:spPr>
-          <a:xfrm>
-            <a:off x="1931448" y="1794850"/>
-            <a:ext cx="6229275" cy="569498"/>
-          </a:xfrm>
-          <a:prstGeom prst="roundRect">
-            <a:avLst/>
-          </a:prstGeom>
-          <a:solidFill>
-            <a:srgbClr val="70B74F"/>
-          </a:solidFill>
-          <a:ln>
-            <a:noFill/>
-          </a:ln>
-          <a:effectLst>
-            <a:outerShdw blurRad="50800" dist="38100" dir="2700000" algn="tl" rotWithShape="0">
-              <a:prstClr val="black">
-                <a:alpha val="40000"/>
-              </a:prstClr>
-            </a:outerShdw>
-          </a:effectLst>
-        </p:spPr>
-        <p:style>
-          <a:lnRef idx="2">
-            <a:schemeClr val="accent3">
-              <a:shade val="50000"/>
-            </a:schemeClr>
-          </a:lnRef>
-          <a:fillRef idx="1">
-            <a:schemeClr val="accent3"/>
-          </a:fillRef>
-          <a:effectRef idx="0">
-            <a:schemeClr val="accent3"/>
-          </a:effectRef>
-          <a:fontRef idx="minor">
-            <a:schemeClr val="lt1"/>
-          </a:fontRef>
-        </p:style>
-        <p:txBody>
-          <a:bodyPr lIns="72000" tIns="72000" rIns="72000" bIns="72000" rtlCol="0" anchor="ctr">
-            <a:spAutoFit/>
-          </a:bodyPr>
-          <a:lstStyle/>
-          <a:p>
-            <a:pPr algn="ctr"/>
-            <a:r>
-              <a:rPr lang="en-GB" sz="2400" dirty="0">
-                <a:solidFill>
-                  <a:schemeClr val="bg1"/>
-                </a:solidFill>
-                <a:latin typeface="Verdana" panose="020B0604030504040204" pitchFamily="34" charset="0"/>
-                <a:ea typeface="Verdana" panose="020B0604030504040204" pitchFamily="34" charset="0"/>
-                <a:cs typeface="Verdana" panose="020B0604030504040204" pitchFamily="34" charset="0"/>
-              </a:rPr>
-              <a:t>Biodiversity across scales</a:t>
-            </a:r>
-          </a:p>
-        </p:txBody>
-      </p:sp>
-      <p:sp>
-        <p:nvSpPr>
-          <p:cNvPr id="27" name="Abgerundetes Rechteck 26"/>
-          <p:cNvSpPr/>
-          <p:nvPr/>
-        </p:nvSpPr>
-        <p:spPr>
-          <a:xfrm>
-            <a:off x="614710" y="3016324"/>
-            <a:ext cx="1953363" cy="761475"/>
-          </a:xfrm>
-          <a:prstGeom prst="roundRect">
-            <a:avLst/>
-          </a:prstGeom>
-          <a:solidFill>
-            <a:srgbClr val="558EC7"/>
-          </a:solidFill>
-          <a:ln>
-            <a:noFill/>
-          </a:ln>
-          <a:effectLst>
-            <a:outerShdw blurRad="50800" dist="38100" dir="2700000" algn="tl" rotWithShape="0">
-              <a:prstClr val="black">
-                <a:alpha val="40000"/>
-              </a:prstClr>
-            </a:outerShdw>
-          </a:effectLst>
-        </p:spPr>
-        <p:style>
-          <a:lnRef idx="2">
-            <a:schemeClr val="accent3">
-              <a:shade val="50000"/>
-            </a:schemeClr>
-          </a:lnRef>
-          <a:fillRef idx="1">
-            <a:schemeClr val="accent3"/>
-          </a:fillRef>
-          <a:effectRef idx="0">
-            <a:schemeClr val="accent3"/>
-          </a:effectRef>
-          <a:fontRef idx="minor">
-            <a:schemeClr val="lt1"/>
-          </a:fontRef>
-        </p:style>
-        <p:txBody>
-          <a:bodyPr lIns="72000" tIns="36000" rIns="72000" bIns="36000" rtlCol="0" anchor="ctr">
-            <a:spAutoFit/>
-          </a:bodyPr>
-          <a:lstStyle/>
-          <a:p>
-            <a:pPr algn="ctr"/>
-            <a:r>
-              <a:rPr lang="en-GB" sz="2000" dirty="0">
-                <a:solidFill>
-                  <a:schemeClr val="bg1"/>
-                </a:solidFill>
-                <a:latin typeface="Verdana" panose="020B0604030504040204" pitchFamily="34" charset="0"/>
-                <a:ea typeface="Verdana" panose="020B0604030504040204" pitchFamily="34" charset="0"/>
-                <a:cs typeface="Verdana" panose="020B0604030504040204" pitchFamily="34" charset="0"/>
-              </a:rPr>
-              <a:t>Number of individuals</a:t>
-            </a:r>
-          </a:p>
-        </p:txBody>
-      </p:sp>
-      <p:sp>
-        <p:nvSpPr>
-          <p:cNvPr id="36" name="Abgerundetes Rechteck 35"/>
-          <p:cNvSpPr/>
-          <p:nvPr/>
-        </p:nvSpPr>
-        <p:spPr>
-          <a:xfrm>
-            <a:off x="3756759" y="3022231"/>
-            <a:ext cx="2578653" cy="761475"/>
-          </a:xfrm>
-          <a:prstGeom prst="roundRect">
-            <a:avLst/>
-          </a:prstGeom>
-          <a:solidFill>
-            <a:srgbClr val="558EC7"/>
-          </a:solidFill>
-          <a:ln>
-            <a:noFill/>
-          </a:ln>
-          <a:effectLst>
-            <a:outerShdw blurRad="50800" dist="38100" dir="2700000" algn="tl" rotWithShape="0">
-              <a:prstClr val="black">
-                <a:alpha val="40000"/>
-              </a:prstClr>
-            </a:outerShdw>
-          </a:effectLst>
-        </p:spPr>
-        <p:style>
-          <a:lnRef idx="2">
-            <a:schemeClr val="accent3">
-              <a:shade val="50000"/>
-            </a:schemeClr>
-          </a:lnRef>
-          <a:fillRef idx="1">
-            <a:schemeClr val="accent3"/>
-          </a:fillRef>
-          <a:effectRef idx="0">
-            <a:schemeClr val="accent3"/>
-          </a:effectRef>
-          <a:fontRef idx="minor">
-            <a:schemeClr val="lt1"/>
-          </a:fontRef>
-        </p:style>
-        <p:txBody>
-          <a:bodyPr lIns="72000" tIns="36000" rIns="72000" bIns="36000" rtlCol="0" anchor="ctr">
-            <a:spAutoFit/>
-          </a:bodyPr>
-          <a:lstStyle/>
-          <a:p>
-            <a:pPr algn="ctr"/>
-            <a:r>
-              <a:rPr lang="en-GB" sz="2000" dirty="0">
-                <a:solidFill>
-                  <a:schemeClr val="bg1"/>
-                </a:solidFill>
-                <a:latin typeface="Verdana" panose="020B0604030504040204" pitchFamily="34" charset="0"/>
-                <a:ea typeface="Verdana" panose="020B0604030504040204" pitchFamily="34" charset="0"/>
-                <a:cs typeface="Verdana" panose="020B0604030504040204" pitchFamily="34" charset="0"/>
-              </a:rPr>
-              <a:t>Species relative abundances</a:t>
-            </a:r>
-          </a:p>
-        </p:txBody>
-      </p:sp>
-      <p:sp>
-        <p:nvSpPr>
-          <p:cNvPr id="37" name="Abgerundetes Rechteck 36"/>
-          <p:cNvSpPr/>
-          <p:nvPr/>
-        </p:nvSpPr>
-        <p:spPr>
-          <a:xfrm>
-            <a:off x="7095431" y="3039257"/>
-            <a:ext cx="2664295" cy="727423"/>
-          </a:xfrm>
-          <a:prstGeom prst="roundRect">
-            <a:avLst/>
-          </a:prstGeom>
-          <a:solidFill>
-            <a:srgbClr val="558EC7"/>
-          </a:solidFill>
-          <a:ln>
-            <a:noFill/>
-          </a:ln>
-          <a:effectLst>
-            <a:outerShdw blurRad="50800" dist="38100" dir="2700000" algn="tl" rotWithShape="0">
-              <a:prstClr val="black">
-                <a:alpha val="40000"/>
-              </a:prstClr>
-            </a:outerShdw>
-          </a:effectLst>
-        </p:spPr>
-        <p:style>
-          <a:lnRef idx="2">
-            <a:schemeClr val="accent3">
-              <a:shade val="50000"/>
-            </a:schemeClr>
-          </a:lnRef>
-          <a:fillRef idx="1">
-            <a:schemeClr val="accent3"/>
-          </a:fillRef>
-          <a:effectRef idx="0">
-            <a:schemeClr val="accent3"/>
-          </a:effectRef>
-          <a:fontRef idx="minor">
-            <a:schemeClr val="lt1"/>
-          </a:fontRef>
-        </p:style>
-        <p:txBody>
-          <a:bodyPr lIns="72000" tIns="36000" rIns="72000" bIns="36000" rtlCol="0" anchor="ctr">
-            <a:spAutoFit/>
-          </a:bodyPr>
-          <a:lstStyle/>
-          <a:p>
-            <a:pPr algn="ctr"/>
-            <a:r>
-              <a:rPr lang="en-GB" sz="2000" dirty="0">
-                <a:solidFill>
-                  <a:schemeClr val="bg1"/>
-                </a:solidFill>
-                <a:latin typeface="Verdana" panose="020B0604030504040204" pitchFamily="34" charset="0"/>
-                <a:ea typeface="Verdana" panose="020B0604030504040204" pitchFamily="34" charset="0"/>
-                <a:cs typeface="Verdana" panose="020B0604030504040204" pitchFamily="34" charset="0"/>
-              </a:rPr>
-              <a:t>Spatial distribution</a:t>
-            </a:r>
-          </a:p>
-          <a:p>
-            <a:pPr algn="ctr"/>
-            <a:r>
-              <a:rPr lang="en-GB" sz="1800" dirty="0">
-                <a:solidFill>
-                  <a:schemeClr val="bg1"/>
-                </a:solidFill>
-                <a:latin typeface="Verdana" panose="020B0604030504040204" pitchFamily="34" charset="0"/>
-                <a:ea typeface="Verdana" panose="020B0604030504040204" pitchFamily="34" charset="0"/>
-                <a:cs typeface="Verdana" panose="020B0604030504040204" pitchFamily="34" charset="0"/>
-              </a:rPr>
-              <a:t>(e.g. aggregation)</a:t>
-            </a:r>
-          </a:p>
-        </p:txBody>
-      </p:sp>
-      <p:sp>
-        <p:nvSpPr>
-          <p:cNvPr id="55" name="Abgerundetes Rechteck 54"/>
-          <p:cNvSpPr/>
-          <p:nvPr/>
-        </p:nvSpPr>
-        <p:spPr>
-          <a:xfrm>
-            <a:off x="1412565" y="4459146"/>
-            <a:ext cx="7267041" cy="501394"/>
-          </a:xfrm>
-          <a:prstGeom prst="roundRect">
-            <a:avLst/>
-          </a:prstGeom>
-          <a:solidFill>
-            <a:srgbClr val="FED426"/>
-          </a:solidFill>
-          <a:ln>
-            <a:noFill/>
-          </a:ln>
-          <a:effectLst>
-            <a:outerShdw blurRad="50800" dist="38100" dir="2700000" algn="tl" rotWithShape="0">
-              <a:prstClr val="black">
-                <a:alpha val="40000"/>
-              </a:prstClr>
-            </a:outerShdw>
-          </a:effectLst>
-        </p:spPr>
-        <p:style>
-          <a:lnRef idx="2">
-            <a:schemeClr val="accent3">
-              <a:shade val="50000"/>
-            </a:schemeClr>
-          </a:lnRef>
-          <a:fillRef idx="1">
-            <a:schemeClr val="accent3"/>
-          </a:fillRef>
-          <a:effectRef idx="0">
-            <a:schemeClr val="accent3"/>
-          </a:effectRef>
-          <a:fontRef idx="minor">
-            <a:schemeClr val="lt1"/>
-          </a:fontRef>
-        </p:style>
-        <p:txBody>
-          <a:bodyPr lIns="72000" tIns="72000" rIns="72000" bIns="72000" rtlCol="0" anchor="ctr">
-            <a:spAutoFit/>
-          </a:bodyPr>
-          <a:lstStyle/>
-          <a:p>
-            <a:pPr algn="ctr"/>
-            <a:r>
-              <a:rPr lang="en-GB" sz="2000" dirty="0">
-                <a:solidFill>
-                  <a:schemeClr val="tx1"/>
-                </a:solidFill>
-                <a:latin typeface="Verdana" panose="020B0604030504040204" pitchFamily="34" charset="0"/>
-                <a:ea typeface="Verdana" panose="020B0604030504040204" pitchFamily="34" charset="0"/>
-                <a:cs typeface="Verdana" panose="020B0604030504040204" pitchFamily="34" charset="0"/>
-              </a:rPr>
-              <a:t>Biodiversity drivers </a:t>
-            </a:r>
-            <a:r>
-              <a:rPr lang="en-GB" sz="1600" dirty="0">
-                <a:solidFill>
-                  <a:schemeClr val="tx1"/>
-                </a:solidFill>
-                <a:latin typeface="Verdana" panose="020B0604030504040204" pitchFamily="34" charset="0"/>
-                <a:ea typeface="Verdana" panose="020B0604030504040204" pitchFamily="34" charset="0"/>
-                <a:cs typeface="Verdana" panose="020B0604030504040204" pitchFamily="34" charset="0"/>
-              </a:rPr>
-              <a:t>(Land use, climate, invaders, …)</a:t>
-            </a:r>
-          </a:p>
-        </p:txBody>
-      </p:sp>
-      <p:cxnSp>
-        <p:nvCxnSpPr>
-          <p:cNvPr id="57" name="Gerade Verbindung mit Pfeil 56"/>
-          <p:cNvCxnSpPr>
-            <a:stCxn id="55" idx="0"/>
-            <a:endCxn id="27" idx="2"/>
-          </p:cNvCxnSpPr>
-          <p:nvPr/>
-        </p:nvCxnSpPr>
-        <p:spPr>
-          <a:xfrm flipH="1" flipV="1">
-            <a:off x="1591392" y="3777799"/>
-            <a:ext cx="3454694" cy="681347"/>
-          </a:xfrm>
-          <a:prstGeom prst="straightConnector1">
-            <a:avLst/>
-          </a:prstGeom>
-          <a:ln>
-            <a:solidFill>
-              <a:schemeClr val="tx1"/>
-            </a:solidFill>
-            <a:tailEnd type="triangle"/>
-          </a:ln>
-        </p:spPr>
-        <p:style>
-          <a:lnRef idx="2">
-            <a:schemeClr val="accent1"/>
-          </a:lnRef>
-          <a:fillRef idx="0">
-            <a:schemeClr val="accent1"/>
-          </a:fillRef>
-          <a:effectRef idx="1">
-            <a:schemeClr val="accent1"/>
-          </a:effectRef>
-          <a:fontRef idx="minor">
-            <a:schemeClr val="tx1"/>
-          </a:fontRef>
-        </p:style>
-      </p:cxnSp>
-      <p:cxnSp>
-        <p:nvCxnSpPr>
-          <p:cNvPr id="59" name="Gerade Verbindung mit Pfeil 58"/>
-          <p:cNvCxnSpPr>
-            <a:stCxn id="55" idx="0"/>
-            <a:endCxn id="36" idx="2"/>
-          </p:cNvCxnSpPr>
-          <p:nvPr/>
-        </p:nvCxnSpPr>
-        <p:spPr>
-          <a:xfrm flipV="1">
-            <a:off x="5046086" y="3783706"/>
-            <a:ext cx="0" cy="675440"/>
-          </a:xfrm>
-          <a:prstGeom prst="straightConnector1">
-            <a:avLst/>
-          </a:prstGeom>
-          <a:ln>
-            <a:solidFill>
-              <a:schemeClr val="tx1"/>
-            </a:solidFill>
-            <a:tailEnd type="triangle"/>
-          </a:ln>
-        </p:spPr>
-        <p:style>
-          <a:lnRef idx="2">
-            <a:schemeClr val="accent1"/>
-          </a:lnRef>
-          <a:fillRef idx="0">
-            <a:schemeClr val="accent1"/>
-          </a:fillRef>
-          <a:effectRef idx="1">
-            <a:schemeClr val="accent1"/>
-          </a:effectRef>
-          <a:fontRef idx="minor">
-            <a:schemeClr val="tx1"/>
-          </a:fontRef>
-        </p:style>
-      </p:cxnSp>
-      <p:cxnSp>
-        <p:nvCxnSpPr>
-          <p:cNvPr id="61" name="Gerade Verbindung mit Pfeil 60"/>
-          <p:cNvCxnSpPr>
-            <a:stCxn id="55" idx="0"/>
-            <a:endCxn id="37" idx="2"/>
-          </p:cNvCxnSpPr>
-          <p:nvPr/>
-        </p:nvCxnSpPr>
-        <p:spPr>
-          <a:xfrm flipV="1">
-            <a:off x="5046086" y="3766680"/>
-            <a:ext cx="3381493" cy="692466"/>
-          </a:xfrm>
-          <a:prstGeom prst="straightConnector1">
-            <a:avLst/>
-          </a:prstGeom>
-          <a:ln>
-            <a:solidFill>
-              <a:schemeClr val="tx1"/>
-            </a:solidFill>
-            <a:tailEnd type="triangle"/>
-          </a:ln>
-        </p:spPr>
-        <p:style>
-          <a:lnRef idx="2">
-            <a:schemeClr val="accent1"/>
-          </a:lnRef>
-          <a:fillRef idx="0">
-            <a:schemeClr val="accent1"/>
-          </a:fillRef>
-          <a:effectRef idx="1">
-            <a:schemeClr val="accent1"/>
-          </a:effectRef>
-          <a:fontRef idx="minor">
-            <a:schemeClr val="tx1"/>
-          </a:fontRef>
-        </p:style>
-      </p:cxnSp>
-      <p:pic>
-        <p:nvPicPr>
-          <p:cNvPr id="72" name="Grafik 71"/>
-          <p:cNvPicPr>
-            <a:picLocks noChangeAspect="1"/>
-          </p:cNvPicPr>
-          <p:nvPr/>
-        </p:nvPicPr>
-        <p:blipFill>
-          <a:blip r:embed="rId3">
-            <a:extLst>
-              <a:ext uri="{28A0092B-C50C-407E-A947-70E740481C1C}">
-                <a14:useLocalDpi xmlns:a14="http://schemas.microsoft.com/office/drawing/2010/main" val="0"/>
-              </a:ext>
-            </a:extLst>
-          </a:blip>
-          <a:stretch>
-            <a:fillRect/>
-          </a:stretch>
-        </p:blipFill>
-        <p:spPr>
-          <a:xfrm>
-            <a:off x="2796717" y="5824716"/>
-            <a:ext cx="954900" cy="720000"/>
-          </a:xfrm>
-          <a:prstGeom prst="rect">
-            <a:avLst/>
-          </a:prstGeom>
-        </p:spPr>
-      </p:pic>
-      <p:sp>
-        <p:nvSpPr>
-          <p:cNvPr id="73" name="Textfeld 72"/>
-          <p:cNvSpPr txBox="1"/>
-          <p:nvPr/>
-        </p:nvSpPr>
-        <p:spPr>
-          <a:xfrm>
-            <a:off x="3711055" y="6021496"/>
-            <a:ext cx="4176463" cy="523220"/>
-          </a:xfrm>
-          <a:prstGeom prst="rect">
-            <a:avLst/>
-          </a:prstGeom>
-          <a:noFill/>
-        </p:spPr>
-        <p:txBody>
-          <a:bodyPr wrap="square" rtlCol="0">
-            <a:spAutoFit/>
-          </a:bodyPr>
-          <a:lstStyle/>
-          <a:p>
-            <a:r>
-              <a:rPr lang="en-GB" sz="2800" dirty="0">
-                <a:latin typeface="Verdana" panose="020B0604030504040204" pitchFamily="34" charset="0"/>
-                <a:ea typeface="Verdana" panose="020B0604030504040204" pitchFamily="34" charset="0"/>
-                <a:cs typeface="Verdana" panose="020B0604030504040204" pitchFamily="34" charset="0"/>
-              </a:rPr>
-              <a:t>package </a:t>
-            </a:r>
-            <a:r>
-              <a:rPr lang="en-GB" sz="2800" b="1" dirty="0" err="1">
-                <a:latin typeface="Verdana" panose="020B0604030504040204" pitchFamily="34" charset="0"/>
-                <a:ea typeface="Verdana" panose="020B0604030504040204" pitchFamily="34" charset="0"/>
-                <a:cs typeface="Verdana" panose="020B0604030504040204" pitchFamily="34" charset="0"/>
-              </a:rPr>
-              <a:t>mobsim</a:t>
-            </a:r>
-            <a:endParaRPr lang="en-GB" b="1" dirty="0">
-              <a:latin typeface="Verdana" panose="020B0604030504040204" pitchFamily="34" charset="0"/>
-              <a:ea typeface="Verdana" panose="020B0604030504040204" pitchFamily="34" charset="0"/>
-              <a:cs typeface="Verdana" panose="020B0604030504040204" pitchFamily="34" charset="0"/>
-            </a:endParaRPr>
-          </a:p>
-        </p:txBody>
-      </p:sp>
-      <p:sp>
-        <p:nvSpPr>
-          <p:cNvPr id="5" name="Rechteckiger Pfeil 4"/>
-          <p:cNvSpPr/>
-          <p:nvPr/>
-        </p:nvSpPr>
-        <p:spPr>
-          <a:xfrm rot="10800000" flipH="1">
-            <a:off x="1262782" y="5302251"/>
-            <a:ext cx="1153951" cy="1057054"/>
-          </a:xfrm>
-          <a:prstGeom prst="bentArrow">
-            <a:avLst>
-              <a:gd name="adj1" fmla="val 28087"/>
-              <a:gd name="adj2" fmla="val 25000"/>
-              <a:gd name="adj3" fmla="val 25000"/>
-              <a:gd name="adj4" fmla="val 43750"/>
-            </a:avLst>
-          </a:prstGeom>
-          <a:noFill/>
-          <a:ln w="25400">
-            <a:solidFill>
-              <a:srgbClr val="70B74F"/>
-            </a:solidFill>
-          </a:ln>
-          <a:effectLst/>
-        </p:spPr>
-        <p:style>
-          <a:lnRef idx="1">
-            <a:schemeClr val="accent1"/>
-          </a:lnRef>
-          <a:fillRef idx="3">
-            <a:schemeClr val="accent1"/>
-          </a:fillRef>
-          <a:effectRef idx="2">
-            <a:schemeClr val="accent1"/>
-          </a:effectRef>
-          <a:fontRef idx="minor">
-            <a:schemeClr val="lt1"/>
-          </a:fontRef>
-        </p:style>
-        <p:txBody>
-          <a:bodyPr lIns="72000" tIns="72000" rIns="72000" bIns="72000" rtlCol="0" anchor="ctr">
-            <a:spAutoFit/>
-          </a:bodyPr>
-          <a:lstStyle/>
-          <a:p>
-            <a:pPr algn="ctr"/>
-            <a:endParaRPr lang="en-GB" sz="2400" dirty="0">
-              <a:solidFill>
-                <a:schemeClr val="tx1"/>
-              </a:solidFill>
-              <a:latin typeface="Verdana" panose="020B0604030504040204" pitchFamily="34" charset="0"/>
-              <a:ea typeface="Verdana" panose="020B0604030504040204" pitchFamily="34" charset="0"/>
-              <a:cs typeface="Verdana" panose="020B0604030504040204" pitchFamily="34" charset="0"/>
-            </a:endParaRPr>
-          </a:p>
-        </p:txBody>
-      </p:sp>
-    </p:spTree>
-    <p:extLst>
-      <p:ext uri="{BB962C8B-B14F-4D97-AF65-F5344CB8AC3E}">
-        <p14:creationId xmlns:p14="http://schemas.microsoft.com/office/powerpoint/2010/main" val="4137330153"/>
-      </p:ext>
-    </p:extLst>
-  </p:cSld>
-  <p:clrMapOvr>
-    <a:masterClrMapping/>
-  </p:clrMapOvr>
-  <p:timing>
-    <p:tnLst>
-      <p:par>
-        <p:cTn id="1" dur="indefinite" restart="never" nodeType="tmRoot">
-          <p:childTnLst>
-            <p:seq concurrent="1" nextAc="seek">
-              <p:cTn id="2" dur="indefinite" nodeType="mainSeq">
-                <p:childTnLst>
-                  <p:par>
-                    <p:cTn id="3" fill="hold">
-                      <p:stCondLst>
-                        <p:cond delay="indefinite"/>
-                      </p:stCondLst>
-                      <p:childTnLst>
-                        <p:par>
-                          <p:cTn id="4" fill="hold">
-                            <p:stCondLst>
-                              <p:cond delay="0"/>
-                            </p:stCondLst>
-                            <p:childTnLst>
-                              <p:par>
-                                <p:cTn id="5" presetID="1" presetClass="entr" presetSubtype="0" fill="hold" grpId="0" nodeType="clickEffect">
-                                  <p:stCondLst>
-                                    <p:cond delay="0"/>
-                                  </p:stCondLst>
-                                  <p:childTnLst>
-                                    <p:set>
-                                      <p:cBhvr>
-                                        <p:cTn id="6" dur="1" fill="hold">
-                                          <p:stCondLst>
-                                            <p:cond delay="0"/>
-                                          </p:stCondLst>
-                                        </p:cTn>
-                                        <p:tgtEl>
-                                          <p:spTgt spid="5"/>
-                                        </p:tgtEl>
-                                        <p:attrNameLst>
-                                          <p:attrName>style.visibility</p:attrName>
-                                        </p:attrNameLst>
-                                      </p:cBhvr>
-                                      <p:to>
-                                        <p:strVal val="visible"/>
-                                      </p:to>
-                                    </p:set>
-                                  </p:childTnLst>
-                                </p:cTn>
-                              </p:par>
-                              <p:par>
-                                <p:cTn id="7" presetID="1" presetClass="entr" presetSubtype="0" fill="hold" nodeType="withEffect">
-                                  <p:stCondLst>
-                                    <p:cond delay="0"/>
-                                  </p:stCondLst>
-                                  <p:childTnLst>
-                                    <p:set>
-                                      <p:cBhvr>
-                                        <p:cTn id="8" dur="1" fill="hold">
-                                          <p:stCondLst>
-                                            <p:cond delay="0"/>
-                                          </p:stCondLst>
-                                        </p:cTn>
-                                        <p:tgtEl>
-                                          <p:spTgt spid="72"/>
-                                        </p:tgtEl>
-                                        <p:attrNameLst>
-                                          <p:attrName>style.visibility</p:attrName>
-                                        </p:attrNameLst>
-                                      </p:cBhvr>
-                                      <p:to>
-                                        <p:strVal val="visible"/>
-                                      </p:to>
-                                    </p:set>
-                                  </p:childTnLst>
-                                </p:cTn>
-                              </p:par>
-                              <p:par>
-                                <p:cTn id="9" presetID="1" presetClass="entr" presetSubtype="0" fill="hold" grpId="0" nodeType="withEffect">
-                                  <p:stCondLst>
-                                    <p:cond delay="0"/>
-                                  </p:stCondLst>
-                                  <p:childTnLst>
-                                    <p:set>
-                                      <p:cBhvr>
-                                        <p:cTn id="10" dur="1" fill="hold">
-                                          <p:stCondLst>
-                                            <p:cond delay="0"/>
-                                          </p:stCondLst>
-                                        </p:cTn>
-                                        <p:tgtEl>
-                                          <p:spTgt spid="73"/>
-                                        </p:tgtEl>
-                                        <p:attrNameLst>
-                                          <p:attrName>style.visibility</p:attrName>
-                                        </p:attrNameLst>
-                                      </p:cBhvr>
-                                      <p:to>
-                                        <p:strVal val="visible"/>
-                                      </p:to>
-                                    </p:set>
-                                  </p:childTnLst>
-                                </p:cTn>
-                              </p:par>
-                            </p:childTnLst>
-                          </p:cTn>
-                        </p:par>
-                      </p:childTnLst>
-                    </p:cTn>
-                  </p:par>
-                </p:childTnLst>
-              </p:cTn>
-              <p:prevCondLst>
-                <p:cond evt="onPrev" delay="0">
-                  <p:tgtEl>
-                    <p:sldTgt/>
-                  </p:tgtEl>
-                </p:cond>
-              </p:prevCondLst>
-              <p:nextCondLst>
-                <p:cond evt="onNext" delay="0">
-                  <p:tgtEl>
-                    <p:sldTgt/>
-                  </p:tgtEl>
-                </p:cond>
-              </p:nextCondLst>
-            </p:seq>
-          </p:childTnLst>
-        </p:cTn>
-      </p:par>
-    </p:tnLst>
-    <p:bldLst>
-      <p:bldP spid="73" grpId="0"/>
-      <p:bldP spid="5" grpId="0" animBg="1"/>
-    </p:bldLst>
-  </p:timing>
-</p:sld>
-</file>
-
-<file path=ppt/slides/slide6.xml><?xml version="1.0" encoding="utf-8"?>
 <p:sld xmlns:a="http://schemas.openxmlformats.org/drawingml/2006/main" xmlns:r="http://schemas.openxmlformats.org/officeDocument/2006/relationships" xmlns:p="http://schemas.openxmlformats.org/presentationml/2006/main">
   <p:cSld>
     <p:spTree>
@@ -44062,6 +43081,917 @@
 </p:sld>
 </file>
 
+<file path=ppt/slides/slide6.xml><?xml version="1.0" encoding="utf-8"?>
+<p:sld xmlns:a="http://schemas.openxmlformats.org/drawingml/2006/main" xmlns:r="http://schemas.openxmlformats.org/officeDocument/2006/relationships" xmlns:p="http://schemas.openxmlformats.org/presentationml/2006/main">
+  <p:cSld>
+    <p:spTree>
+      <p:nvGrpSpPr>
+        <p:cNvPr id="1" name=""/>
+        <p:cNvGrpSpPr/>
+        <p:nvPr/>
+      </p:nvGrpSpPr>
+      <p:grpSpPr>
+        <a:xfrm>
+          <a:off x="0" y="0"/>
+          <a:ext cx="0" cy="0"/>
+          <a:chOff x="0" y="0"/>
+          <a:chExt cx="0" cy="0"/>
+        </a:xfrm>
+      </p:grpSpPr>
+      <p:sp>
+        <p:nvSpPr>
+          <p:cNvPr id="3" name="Textplatzhalter 2"/>
+          <p:cNvSpPr>
+            <a:spLocks noGrp="1"/>
+          </p:cNvSpPr>
+          <p:nvPr>
+            <p:ph type="body" sz="quarter" idx="12"/>
+          </p:nvPr>
+        </p:nvSpPr>
+        <p:spPr>
+          <a:xfrm>
+            <a:off x="398686" y="208012"/>
+            <a:ext cx="9361040" cy="1079500"/>
+          </a:xfrm>
+        </p:spPr>
+        <p:txBody>
+          <a:bodyPr>
+            <a:normAutofit/>
+          </a:bodyPr>
+          <a:lstStyle/>
+          <a:p>
+            <a:r>
+              <a:rPr lang="en-US" dirty="0"/>
+              <a:t>Spatial analysis of scale-dependent biodiversity changes </a:t>
+            </a:r>
+          </a:p>
+        </p:txBody>
+      </p:sp>
+      <p:cxnSp>
+        <p:nvCxnSpPr>
+          <p:cNvPr id="17" name="Gerade Verbindung mit Pfeil 16"/>
+          <p:cNvCxnSpPr>
+            <a:stCxn id="27" idx="0"/>
+            <a:endCxn id="2" idx="2"/>
+          </p:cNvCxnSpPr>
+          <p:nvPr/>
+        </p:nvCxnSpPr>
+        <p:spPr>
+          <a:xfrm flipV="1">
+            <a:off x="1591392" y="2364348"/>
+            <a:ext cx="3454694" cy="651976"/>
+          </a:xfrm>
+          <a:prstGeom prst="straightConnector1">
+            <a:avLst/>
+          </a:prstGeom>
+          <a:ln>
+            <a:solidFill>
+              <a:schemeClr val="tx1"/>
+            </a:solidFill>
+            <a:tailEnd type="triangle"/>
+          </a:ln>
+        </p:spPr>
+        <p:style>
+          <a:lnRef idx="2">
+            <a:schemeClr val="accent1"/>
+          </a:lnRef>
+          <a:fillRef idx="0">
+            <a:schemeClr val="accent1"/>
+          </a:fillRef>
+          <a:effectRef idx="1">
+            <a:schemeClr val="accent1"/>
+          </a:effectRef>
+          <a:fontRef idx="minor">
+            <a:schemeClr val="tx1"/>
+          </a:fontRef>
+        </p:style>
+      </p:cxnSp>
+      <p:cxnSp>
+        <p:nvCxnSpPr>
+          <p:cNvPr id="19" name="Gerade Verbindung mit Pfeil 18"/>
+          <p:cNvCxnSpPr>
+            <a:stCxn id="36" idx="0"/>
+            <a:endCxn id="2" idx="2"/>
+          </p:cNvCxnSpPr>
+          <p:nvPr/>
+        </p:nvCxnSpPr>
+        <p:spPr>
+          <a:xfrm flipV="1">
+            <a:off x="5046086" y="2364348"/>
+            <a:ext cx="0" cy="657883"/>
+          </a:xfrm>
+          <a:prstGeom prst="straightConnector1">
+            <a:avLst/>
+          </a:prstGeom>
+          <a:ln>
+            <a:solidFill>
+              <a:schemeClr val="tx1"/>
+            </a:solidFill>
+            <a:tailEnd type="triangle"/>
+          </a:ln>
+        </p:spPr>
+        <p:style>
+          <a:lnRef idx="2">
+            <a:schemeClr val="accent1"/>
+          </a:lnRef>
+          <a:fillRef idx="0">
+            <a:schemeClr val="accent1"/>
+          </a:fillRef>
+          <a:effectRef idx="1">
+            <a:schemeClr val="accent1"/>
+          </a:effectRef>
+          <a:fontRef idx="minor">
+            <a:schemeClr val="tx1"/>
+          </a:fontRef>
+        </p:style>
+      </p:cxnSp>
+      <p:cxnSp>
+        <p:nvCxnSpPr>
+          <p:cNvPr id="21" name="Gerade Verbindung mit Pfeil 20"/>
+          <p:cNvCxnSpPr>
+            <a:stCxn id="37" idx="0"/>
+            <a:endCxn id="2" idx="2"/>
+          </p:cNvCxnSpPr>
+          <p:nvPr/>
+        </p:nvCxnSpPr>
+        <p:spPr>
+          <a:xfrm flipH="1" flipV="1">
+            <a:off x="5046086" y="2364348"/>
+            <a:ext cx="3381493" cy="674909"/>
+          </a:xfrm>
+          <a:prstGeom prst="straightConnector1">
+            <a:avLst/>
+          </a:prstGeom>
+          <a:ln>
+            <a:solidFill>
+              <a:schemeClr val="tx1"/>
+            </a:solidFill>
+            <a:tailEnd type="triangle"/>
+          </a:ln>
+        </p:spPr>
+        <p:style>
+          <a:lnRef idx="2">
+            <a:schemeClr val="accent1"/>
+          </a:lnRef>
+          <a:fillRef idx="0">
+            <a:schemeClr val="accent1"/>
+          </a:fillRef>
+          <a:effectRef idx="1">
+            <a:schemeClr val="accent1"/>
+          </a:effectRef>
+          <a:fontRef idx="minor">
+            <a:schemeClr val="tx1"/>
+          </a:fontRef>
+        </p:style>
+      </p:cxnSp>
+      <p:sp>
+        <p:nvSpPr>
+          <p:cNvPr id="2" name="Abgerundetes Rechteck 1"/>
+          <p:cNvSpPr/>
+          <p:nvPr/>
+        </p:nvSpPr>
+        <p:spPr>
+          <a:xfrm>
+            <a:off x="1931448" y="1794850"/>
+            <a:ext cx="6229275" cy="569498"/>
+          </a:xfrm>
+          <a:prstGeom prst="roundRect">
+            <a:avLst/>
+          </a:prstGeom>
+          <a:solidFill>
+            <a:srgbClr val="70B74F"/>
+          </a:solidFill>
+          <a:ln>
+            <a:noFill/>
+          </a:ln>
+          <a:effectLst>
+            <a:outerShdw blurRad="50800" dist="38100" dir="2700000" algn="tl" rotWithShape="0">
+              <a:prstClr val="black">
+                <a:alpha val="40000"/>
+              </a:prstClr>
+            </a:outerShdw>
+          </a:effectLst>
+        </p:spPr>
+        <p:style>
+          <a:lnRef idx="2">
+            <a:schemeClr val="accent3">
+              <a:shade val="50000"/>
+            </a:schemeClr>
+          </a:lnRef>
+          <a:fillRef idx="1">
+            <a:schemeClr val="accent3"/>
+          </a:fillRef>
+          <a:effectRef idx="0">
+            <a:schemeClr val="accent3"/>
+          </a:effectRef>
+          <a:fontRef idx="minor">
+            <a:schemeClr val="lt1"/>
+          </a:fontRef>
+        </p:style>
+        <p:txBody>
+          <a:bodyPr lIns="72000" tIns="72000" rIns="72000" bIns="72000" rtlCol="0" anchor="ctr">
+            <a:spAutoFit/>
+          </a:bodyPr>
+          <a:lstStyle/>
+          <a:p>
+            <a:pPr algn="ctr"/>
+            <a:r>
+              <a:rPr lang="en-GB" sz="2400" dirty="0">
+                <a:solidFill>
+                  <a:schemeClr val="bg1"/>
+                </a:solidFill>
+                <a:latin typeface="Verdana" panose="020B0604030504040204" pitchFamily="34" charset="0"/>
+                <a:ea typeface="Verdana" panose="020B0604030504040204" pitchFamily="34" charset="0"/>
+                <a:cs typeface="Verdana" panose="020B0604030504040204" pitchFamily="34" charset="0"/>
+              </a:rPr>
+              <a:t>Biodiversity across scales</a:t>
+            </a:r>
+          </a:p>
+        </p:txBody>
+      </p:sp>
+      <p:sp>
+        <p:nvSpPr>
+          <p:cNvPr id="27" name="Abgerundetes Rechteck 26"/>
+          <p:cNvSpPr/>
+          <p:nvPr/>
+        </p:nvSpPr>
+        <p:spPr>
+          <a:xfrm>
+            <a:off x="614710" y="3016324"/>
+            <a:ext cx="1953363" cy="761475"/>
+          </a:xfrm>
+          <a:prstGeom prst="roundRect">
+            <a:avLst/>
+          </a:prstGeom>
+          <a:solidFill>
+            <a:srgbClr val="558EC7"/>
+          </a:solidFill>
+          <a:ln>
+            <a:noFill/>
+          </a:ln>
+          <a:effectLst>
+            <a:outerShdw blurRad="50800" dist="38100" dir="2700000" algn="tl" rotWithShape="0">
+              <a:prstClr val="black">
+                <a:alpha val="40000"/>
+              </a:prstClr>
+            </a:outerShdw>
+          </a:effectLst>
+        </p:spPr>
+        <p:style>
+          <a:lnRef idx="2">
+            <a:schemeClr val="accent3">
+              <a:shade val="50000"/>
+            </a:schemeClr>
+          </a:lnRef>
+          <a:fillRef idx="1">
+            <a:schemeClr val="accent3"/>
+          </a:fillRef>
+          <a:effectRef idx="0">
+            <a:schemeClr val="accent3"/>
+          </a:effectRef>
+          <a:fontRef idx="minor">
+            <a:schemeClr val="lt1"/>
+          </a:fontRef>
+        </p:style>
+        <p:txBody>
+          <a:bodyPr lIns="72000" tIns="36000" rIns="72000" bIns="36000" rtlCol="0" anchor="ctr">
+            <a:spAutoFit/>
+          </a:bodyPr>
+          <a:lstStyle/>
+          <a:p>
+            <a:pPr algn="ctr"/>
+            <a:r>
+              <a:rPr lang="en-GB" sz="2000" dirty="0">
+                <a:solidFill>
+                  <a:schemeClr val="bg1"/>
+                </a:solidFill>
+                <a:latin typeface="Verdana" panose="020B0604030504040204" pitchFamily="34" charset="0"/>
+                <a:ea typeface="Verdana" panose="020B0604030504040204" pitchFamily="34" charset="0"/>
+                <a:cs typeface="Verdana" panose="020B0604030504040204" pitchFamily="34" charset="0"/>
+              </a:rPr>
+              <a:t>Number of individuals</a:t>
+            </a:r>
+          </a:p>
+        </p:txBody>
+      </p:sp>
+      <p:sp>
+        <p:nvSpPr>
+          <p:cNvPr id="36" name="Abgerundetes Rechteck 35"/>
+          <p:cNvSpPr/>
+          <p:nvPr/>
+        </p:nvSpPr>
+        <p:spPr>
+          <a:xfrm>
+            <a:off x="3756759" y="3022231"/>
+            <a:ext cx="2578653" cy="761475"/>
+          </a:xfrm>
+          <a:prstGeom prst="roundRect">
+            <a:avLst/>
+          </a:prstGeom>
+          <a:solidFill>
+            <a:srgbClr val="558EC7"/>
+          </a:solidFill>
+          <a:ln>
+            <a:noFill/>
+          </a:ln>
+          <a:effectLst>
+            <a:outerShdw blurRad="50800" dist="38100" dir="2700000" algn="tl" rotWithShape="0">
+              <a:prstClr val="black">
+                <a:alpha val="40000"/>
+              </a:prstClr>
+            </a:outerShdw>
+          </a:effectLst>
+        </p:spPr>
+        <p:style>
+          <a:lnRef idx="2">
+            <a:schemeClr val="accent3">
+              <a:shade val="50000"/>
+            </a:schemeClr>
+          </a:lnRef>
+          <a:fillRef idx="1">
+            <a:schemeClr val="accent3"/>
+          </a:fillRef>
+          <a:effectRef idx="0">
+            <a:schemeClr val="accent3"/>
+          </a:effectRef>
+          <a:fontRef idx="minor">
+            <a:schemeClr val="lt1"/>
+          </a:fontRef>
+        </p:style>
+        <p:txBody>
+          <a:bodyPr lIns="72000" tIns="36000" rIns="72000" bIns="36000" rtlCol="0" anchor="ctr">
+            <a:spAutoFit/>
+          </a:bodyPr>
+          <a:lstStyle/>
+          <a:p>
+            <a:pPr algn="ctr"/>
+            <a:r>
+              <a:rPr lang="en-GB" sz="2000" dirty="0">
+                <a:solidFill>
+                  <a:schemeClr val="bg1"/>
+                </a:solidFill>
+                <a:latin typeface="Verdana" panose="020B0604030504040204" pitchFamily="34" charset="0"/>
+                <a:ea typeface="Verdana" panose="020B0604030504040204" pitchFamily="34" charset="0"/>
+                <a:cs typeface="Verdana" panose="020B0604030504040204" pitchFamily="34" charset="0"/>
+              </a:rPr>
+              <a:t>Species relative abundances</a:t>
+            </a:r>
+          </a:p>
+        </p:txBody>
+      </p:sp>
+      <p:sp>
+        <p:nvSpPr>
+          <p:cNvPr id="37" name="Abgerundetes Rechteck 36"/>
+          <p:cNvSpPr/>
+          <p:nvPr/>
+        </p:nvSpPr>
+        <p:spPr>
+          <a:xfrm>
+            <a:off x="7095431" y="3039257"/>
+            <a:ext cx="2664295" cy="727423"/>
+          </a:xfrm>
+          <a:prstGeom prst="roundRect">
+            <a:avLst/>
+          </a:prstGeom>
+          <a:solidFill>
+            <a:srgbClr val="558EC7"/>
+          </a:solidFill>
+          <a:ln>
+            <a:noFill/>
+          </a:ln>
+          <a:effectLst>
+            <a:outerShdw blurRad="50800" dist="38100" dir="2700000" algn="tl" rotWithShape="0">
+              <a:prstClr val="black">
+                <a:alpha val="40000"/>
+              </a:prstClr>
+            </a:outerShdw>
+          </a:effectLst>
+        </p:spPr>
+        <p:style>
+          <a:lnRef idx="2">
+            <a:schemeClr val="accent3">
+              <a:shade val="50000"/>
+            </a:schemeClr>
+          </a:lnRef>
+          <a:fillRef idx="1">
+            <a:schemeClr val="accent3"/>
+          </a:fillRef>
+          <a:effectRef idx="0">
+            <a:schemeClr val="accent3"/>
+          </a:effectRef>
+          <a:fontRef idx="minor">
+            <a:schemeClr val="lt1"/>
+          </a:fontRef>
+        </p:style>
+        <p:txBody>
+          <a:bodyPr lIns="72000" tIns="36000" rIns="72000" bIns="36000" rtlCol="0" anchor="ctr">
+            <a:spAutoFit/>
+          </a:bodyPr>
+          <a:lstStyle/>
+          <a:p>
+            <a:pPr algn="ctr"/>
+            <a:r>
+              <a:rPr lang="en-GB" sz="2000" dirty="0">
+                <a:solidFill>
+                  <a:schemeClr val="bg1"/>
+                </a:solidFill>
+                <a:latin typeface="Verdana" panose="020B0604030504040204" pitchFamily="34" charset="0"/>
+                <a:ea typeface="Verdana" panose="020B0604030504040204" pitchFamily="34" charset="0"/>
+                <a:cs typeface="Verdana" panose="020B0604030504040204" pitchFamily="34" charset="0"/>
+              </a:rPr>
+              <a:t>Spatial distribution</a:t>
+            </a:r>
+          </a:p>
+          <a:p>
+            <a:pPr algn="ctr"/>
+            <a:r>
+              <a:rPr lang="en-GB" sz="1800" dirty="0">
+                <a:solidFill>
+                  <a:schemeClr val="bg1"/>
+                </a:solidFill>
+                <a:latin typeface="Verdana" panose="020B0604030504040204" pitchFamily="34" charset="0"/>
+                <a:ea typeface="Verdana" panose="020B0604030504040204" pitchFamily="34" charset="0"/>
+                <a:cs typeface="Verdana" panose="020B0604030504040204" pitchFamily="34" charset="0"/>
+              </a:rPr>
+              <a:t>(e.g. aggregation)</a:t>
+            </a:r>
+          </a:p>
+        </p:txBody>
+      </p:sp>
+      <p:sp>
+        <p:nvSpPr>
+          <p:cNvPr id="55" name="Abgerundetes Rechteck 54"/>
+          <p:cNvSpPr/>
+          <p:nvPr/>
+        </p:nvSpPr>
+        <p:spPr>
+          <a:xfrm>
+            <a:off x="1412565" y="4459146"/>
+            <a:ext cx="7267041" cy="501394"/>
+          </a:xfrm>
+          <a:prstGeom prst="roundRect">
+            <a:avLst/>
+          </a:prstGeom>
+          <a:solidFill>
+            <a:srgbClr val="FED426"/>
+          </a:solidFill>
+          <a:ln>
+            <a:noFill/>
+          </a:ln>
+          <a:effectLst>
+            <a:outerShdw blurRad="50800" dist="38100" dir="2700000" algn="tl" rotWithShape="0">
+              <a:prstClr val="black">
+                <a:alpha val="40000"/>
+              </a:prstClr>
+            </a:outerShdw>
+          </a:effectLst>
+        </p:spPr>
+        <p:style>
+          <a:lnRef idx="2">
+            <a:schemeClr val="accent3">
+              <a:shade val="50000"/>
+            </a:schemeClr>
+          </a:lnRef>
+          <a:fillRef idx="1">
+            <a:schemeClr val="accent3"/>
+          </a:fillRef>
+          <a:effectRef idx="0">
+            <a:schemeClr val="accent3"/>
+          </a:effectRef>
+          <a:fontRef idx="minor">
+            <a:schemeClr val="lt1"/>
+          </a:fontRef>
+        </p:style>
+        <p:txBody>
+          <a:bodyPr lIns="72000" tIns="72000" rIns="72000" bIns="72000" rtlCol="0" anchor="ctr">
+            <a:spAutoFit/>
+          </a:bodyPr>
+          <a:lstStyle/>
+          <a:p>
+            <a:pPr algn="ctr"/>
+            <a:r>
+              <a:rPr lang="en-GB" sz="2000" dirty="0">
+                <a:solidFill>
+                  <a:schemeClr val="tx1"/>
+                </a:solidFill>
+                <a:latin typeface="Verdana" panose="020B0604030504040204" pitchFamily="34" charset="0"/>
+                <a:ea typeface="Verdana" panose="020B0604030504040204" pitchFamily="34" charset="0"/>
+                <a:cs typeface="Verdana" panose="020B0604030504040204" pitchFamily="34" charset="0"/>
+              </a:rPr>
+              <a:t>Biodiversity drivers </a:t>
+            </a:r>
+            <a:r>
+              <a:rPr lang="en-GB" sz="1600" dirty="0">
+                <a:solidFill>
+                  <a:schemeClr val="tx1"/>
+                </a:solidFill>
+                <a:latin typeface="Verdana" panose="020B0604030504040204" pitchFamily="34" charset="0"/>
+                <a:ea typeface="Verdana" panose="020B0604030504040204" pitchFamily="34" charset="0"/>
+                <a:cs typeface="Verdana" panose="020B0604030504040204" pitchFamily="34" charset="0"/>
+              </a:rPr>
+              <a:t>(Land use, climate, invaders, …)</a:t>
+            </a:r>
+          </a:p>
+        </p:txBody>
+      </p:sp>
+      <p:cxnSp>
+        <p:nvCxnSpPr>
+          <p:cNvPr id="57" name="Gerade Verbindung mit Pfeil 56"/>
+          <p:cNvCxnSpPr>
+            <a:stCxn id="55" idx="0"/>
+            <a:endCxn id="27" idx="2"/>
+          </p:cNvCxnSpPr>
+          <p:nvPr/>
+        </p:nvCxnSpPr>
+        <p:spPr>
+          <a:xfrm flipH="1" flipV="1">
+            <a:off x="1591392" y="3777799"/>
+            <a:ext cx="3454694" cy="681347"/>
+          </a:xfrm>
+          <a:prstGeom prst="straightConnector1">
+            <a:avLst/>
+          </a:prstGeom>
+          <a:ln>
+            <a:solidFill>
+              <a:schemeClr val="tx1"/>
+            </a:solidFill>
+            <a:tailEnd type="triangle"/>
+          </a:ln>
+        </p:spPr>
+        <p:style>
+          <a:lnRef idx="2">
+            <a:schemeClr val="accent1"/>
+          </a:lnRef>
+          <a:fillRef idx="0">
+            <a:schemeClr val="accent1"/>
+          </a:fillRef>
+          <a:effectRef idx="1">
+            <a:schemeClr val="accent1"/>
+          </a:effectRef>
+          <a:fontRef idx="minor">
+            <a:schemeClr val="tx1"/>
+          </a:fontRef>
+        </p:style>
+      </p:cxnSp>
+      <p:cxnSp>
+        <p:nvCxnSpPr>
+          <p:cNvPr id="59" name="Gerade Verbindung mit Pfeil 58"/>
+          <p:cNvCxnSpPr>
+            <a:stCxn id="55" idx="0"/>
+            <a:endCxn id="36" idx="2"/>
+          </p:cNvCxnSpPr>
+          <p:nvPr/>
+        </p:nvCxnSpPr>
+        <p:spPr>
+          <a:xfrm flipV="1">
+            <a:off x="5046086" y="3783706"/>
+            <a:ext cx="0" cy="675440"/>
+          </a:xfrm>
+          <a:prstGeom prst="straightConnector1">
+            <a:avLst/>
+          </a:prstGeom>
+          <a:ln>
+            <a:solidFill>
+              <a:schemeClr val="tx1"/>
+            </a:solidFill>
+            <a:tailEnd type="triangle"/>
+          </a:ln>
+        </p:spPr>
+        <p:style>
+          <a:lnRef idx="2">
+            <a:schemeClr val="accent1"/>
+          </a:lnRef>
+          <a:fillRef idx="0">
+            <a:schemeClr val="accent1"/>
+          </a:fillRef>
+          <a:effectRef idx="1">
+            <a:schemeClr val="accent1"/>
+          </a:effectRef>
+          <a:fontRef idx="minor">
+            <a:schemeClr val="tx1"/>
+          </a:fontRef>
+        </p:style>
+      </p:cxnSp>
+      <p:cxnSp>
+        <p:nvCxnSpPr>
+          <p:cNvPr id="61" name="Gerade Verbindung mit Pfeil 60"/>
+          <p:cNvCxnSpPr>
+            <a:stCxn id="55" idx="0"/>
+            <a:endCxn id="37" idx="2"/>
+          </p:cNvCxnSpPr>
+          <p:nvPr/>
+        </p:nvCxnSpPr>
+        <p:spPr>
+          <a:xfrm flipV="1">
+            <a:off x="5046086" y="3766680"/>
+            <a:ext cx="3381493" cy="692466"/>
+          </a:xfrm>
+          <a:prstGeom prst="straightConnector1">
+            <a:avLst/>
+          </a:prstGeom>
+          <a:ln>
+            <a:solidFill>
+              <a:schemeClr val="tx1"/>
+            </a:solidFill>
+            <a:tailEnd type="triangle"/>
+          </a:ln>
+        </p:spPr>
+        <p:style>
+          <a:lnRef idx="2">
+            <a:schemeClr val="accent1"/>
+          </a:lnRef>
+          <a:fillRef idx="0">
+            <a:schemeClr val="accent1"/>
+          </a:fillRef>
+          <a:effectRef idx="1">
+            <a:schemeClr val="accent1"/>
+          </a:effectRef>
+          <a:fontRef idx="minor">
+            <a:schemeClr val="tx1"/>
+          </a:fontRef>
+        </p:style>
+      </p:cxnSp>
+      <p:pic>
+        <p:nvPicPr>
+          <p:cNvPr id="72" name="Grafik 71"/>
+          <p:cNvPicPr>
+            <a:picLocks noChangeAspect="1"/>
+          </p:cNvPicPr>
+          <p:nvPr/>
+        </p:nvPicPr>
+        <p:blipFill>
+          <a:blip r:embed="rId3">
+            <a:extLst>
+              <a:ext uri="{28A0092B-C50C-407E-A947-70E740481C1C}">
+                <a14:useLocalDpi xmlns:a14="http://schemas.microsoft.com/office/drawing/2010/main" val="0"/>
+              </a:ext>
+            </a:extLst>
+          </a:blip>
+          <a:stretch>
+            <a:fillRect/>
+          </a:stretch>
+        </p:blipFill>
+        <p:spPr>
+          <a:xfrm>
+            <a:off x="2796717" y="5824716"/>
+            <a:ext cx="954900" cy="720000"/>
+          </a:xfrm>
+          <a:prstGeom prst="rect">
+            <a:avLst/>
+          </a:prstGeom>
+        </p:spPr>
+      </p:pic>
+      <p:sp>
+        <p:nvSpPr>
+          <p:cNvPr id="73" name="Textfeld 72"/>
+          <p:cNvSpPr txBox="1"/>
+          <p:nvPr/>
+        </p:nvSpPr>
+        <p:spPr>
+          <a:xfrm>
+            <a:off x="3711055" y="6021496"/>
+            <a:ext cx="4176463" cy="523220"/>
+          </a:xfrm>
+          <a:prstGeom prst="rect">
+            <a:avLst/>
+          </a:prstGeom>
+          <a:noFill/>
+        </p:spPr>
+        <p:txBody>
+          <a:bodyPr wrap="square" rtlCol="0">
+            <a:spAutoFit/>
+          </a:bodyPr>
+          <a:lstStyle/>
+          <a:p>
+            <a:r>
+              <a:rPr lang="en-GB" sz="2800" dirty="0">
+                <a:latin typeface="Verdana" panose="020B0604030504040204" pitchFamily="34" charset="0"/>
+                <a:ea typeface="Verdana" panose="020B0604030504040204" pitchFamily="34" charset="0"/>
+                <a:cs typeface="Verdana" panose="020B0604030504040204" pitchFamily="34" charset="0"/>
+              </a:rPr>
+              <a:t>package </a:t>
+            </a:r>
+            <a:r>
+              <a:rPr lang="en-GB" sz="2800" b="1" dirty="0" err="1">
+                <a:latin typeface="Verdana" panose="020B0604030504040204" pitchFamily="34" charset="0"/>
+                <a:ea typeface="Verdana" panose="020B0604030504040204" pitchFamily="34" charset="0"/>
+                <a:cs typeface="Verdana" panose="020B0604030504040204" pitchFamily="34" charset="0"/>
+              </a:rPr>
+              <a:t>mobsim</a:t>
+            </a:r>
+            <a:endParaRPr lang="en-GB" b="1" dirty="0">
+              <a:latin typeface="Verdana" panose="020B0604030504040204" pitchFamily="34" charset="0"/>
+              <a:ea typeface="Verdana" panose="020B0604030504040204" pitchFamily="34" charset="0"/>
+              <a:cs typeface="Verdana" panose="020B0604030504040204" pitchFamily="34" charset="0"/>
+            </a:endParaRPr>
+          </a:p>
+        </p:txBody>
+      </p:sp>
+      <p:sp>
+        <p:nvSpPr>
+          <p:cNvPr id="5" name="Rechteckiger Pfeil 4"/>
+          <p:cNvSpPr/>
+          <p:nvPr/>
+        </p:nvSpPr>
+        <p:spPr>
+          <a:xfrm rot="10800000" flipH="1">
+            <a:off x="1262782" y="5302251"/>
+            <a:ext cx="1153951" cy="1057054"/>
+          </a:xfrm>
+          <a:prstGeom prst="bentArrow">
+            <a:avLst>
+              <a:gd name="adj1" fmla="val 28087"/>
+              <a:gd name="adj2" fmla="val 25000"/>
+              <a:gd name="adj3" fmla="val 25000"/>
+              <a:gd name="adj4" fmla="val 43750"/>
+            </a:avLst>
+          </a:prstGeom>
+          <a:noFill/>
+          <a:ln w="25400">
+            <a:solidFill>
+              <a:srgbClr val="70B74F"/>
+            </a:solidFill>
+          </a:ln>
+          <a:effectLst/>
+        </p:spPr>
+        <p:style>
+          <a:lnRef idx="1">
+            <a:schemeClr val="accent1"/>
+          </a:lnRef>
+          <a:fillRef idx="3">
+            <a:schemeClr val="accent1"/>
+          </a:fillRef>
+          <a:effectRef idx="2">
+            <a:schemeClr val="accent1"/>
+          </a:effectRef>
+          <a:fontRef idx="minor">
+            <a:schemeClr val="lt1"/>
+          </a:fontRef>
+        </p:style>
+        <p:txBody>
+          <a:bodyPr lIns="72000" tIns="72000" rIns="72000" bIns="72000" rtlCol="0" anchor="ctr">
+            <a:spAutoFit/>
+          </a:bodyPr>
+          <a:lstStyle/>
+          <a:p>
+            <a:pPr algn="ctr"/>
+            <a:endParaRPr lang="en-GB" sz="2400" dirty="0">
+              <a:solidFill>
+                <a:schemeClr val="tx1"/>
+              </a:solidFill>
+              <a:latin typeface="Verdana" panose="020B0604030504040204" pitchFamily="34" charset="0"/>
+              <a:ea typeface="Verdana" panose="020B0604030504040204" pitchFamily="34" charset="0"/>
+              <a:cs typeface="Verdana" panose="020B0604030504040204" pitchFamily="34" charset="0"/>
+            </a:endParaRPr>
+          </a:p>
+        </p:txBody>
+      </p:sp>
+    </p:spTree>
+    <p:extLst>
+      <p:ext uri="{BB962C8B-B14F-4D97-AF65-F5344CB8AC3E}">
+        <p14:creationId xmlns:p14="http://schemas.microsoft.com/office/powerpoint/2010/main" val="4137330153"/>
+      </p:ext>
+    </p:extLst>
+  </p:cSld>
+  <p:clrMapOvr>
+    <a:masterClrMapping/>
+  </p:clrMapOvr>
+  <p:timing>
+    <p:tnLst>
+      <p:par>
+        <p:cTn id="1" dur="indefinite" restart="never" nodeType="tmRoot">
+          <p:childTnLst>
+            <p:seq concurrent="1" nextAc="seek">
+              <p:cTn id="2" dur="indefinite" nodeType="mainSeq">
+                <p:childTnLst>
+                  <p:par>
+                    <p:cTn id="3" fill="hold">
+                      <p:stCondLst>
+                        <p:cond delay="indefinite"/>
+                      </p:stCondLst>
+                      <p:childTnLst>
+                        <p:par>
+                          <p:cTn id="4" fill="hold">
+                            <p:stCondLst>
+                              <p:cond delay="0"/>
+                            </p:stCondLst>
+                            <p:childTnLst>
+                              <p:par>
+                                <p:cTn id="5" presetID="1" presetClass="entr" presetSubtype="0" fill="hold" grpId="0" nodeType="clickEffect">
+                                  <p:stCondLst>
+                                    <p:cond delay="0"/>
+                                  </p:stCondLst>
+                                  <p:childTnLst>
+                                    <p:set>
+                                      <p:cBhvr>
+                                        <p:cTn id="6" dur="1" fill="hold">
+                                          <p:stCondLst>
+                                            <p:cond delay="0"/>
+                                          </p:stCondLst>
+                                        </p:cTn>
+                                        <p:tgtEl>
+                                          <p:spTgt spid="5"/>
+                                        </p:tgtEl>
+                                        <p:attrNameLst>
+                                          <p:attrName>style.visibility</p:attrName>
+                                        </p:attrNameLst>
+                                      </p:cBhvr>
+                                      <p:to>
+                                        <p:strVal val="visible"/>
+                                      </p:to>
+                                    </p:set>
+                                  </p:childTnLst>
+                                </p:cTn>
+                              </p:par>
+                              <p:par>
+                                <p:cTn id="7" presetID="1" presetClass="entr" presetSubtype="0" fill="hold" nodeType="withEffect">
+                                  <p:stCondLst>
+                                    <p:cond delay="0"/>
+                                  </p:stCondLst>
+                                  <p:childTnLst>
+                                    <p:set>
+                                      <p:cBhvr>
+                                        <p:cTn id="8" dur="1" fill="hold">
+                                          <p:stCondLst>
+                                            <p:cond delay="0"/>
+                                          </p:stCondLst>
+                                        </p:cTn>
+                                        <p:tgtEl>
+                                          <p:spTgt spid="72"/>
+                                        </p:tgtEl>
+                                        <p:attrNameLst>
+                                          <p:attrName>style.visibility</p:attrName>
+                                        </p:attrNameLst>
+                                      </p:cBhvr>
+                                      <p:to>
+                                        <p:strVal val="visible"/>
+                                      </p:to>
+                                    </p:set>
+                                  </p:childTnLst>
+                                </p:cTn>
+                              </p:par>
+                              <p:par>
+                                <p:cTn id="9" presetID="1" presetClass="entr" presetSubtype="0" fill="hold" grpId="0" nodeType="withEffect">
+                                  <p:stCondLst>
+                                    <p:cond delay="0"/>
+                                  </p:stCondLst>
+                                  <p:childTnLst>
+                                    <p:set>
+                                      <p:cBhvr>
+                                        <p:cTn id="10" dur="1" fill="hold">
+                                          <p:stCondLst>
+                                            <p:cond delay="0"/>
+                                          </p:stCondLst>
+                                        </p:cTn>
+                                        <p:tgtEl>
+                                          <p:spTgt spid="73"/>
+                                        </p:tgtEl>
+                                        <p:attrNameLst>
+                                          <p:attrName>style.visibility</p:attrName>
+                                        </p:attrNameLst>
+                                      </p:cBhvr>
+                                      <p:to>
+                                        <p:strVal val="visible"/>
+                                      </p:to>
+                                    </p:set>
+                                  </p:childTnLst>
+                                </p:cTn>
+                              </p:par>
+                            </p:childTnLst>
+                          </p:cTn>
+                        </p:par>
+                      </p:childTnLst>
+                    </p:cTn>
+                  </p:par>
+                </p:childTnLst>
+              </p:cTn>
+              <p:prevCondLst>
+                <p:cond evt="onPrev" delay="0">
+                  <p:tgtEl>
+                    <p:sldTgt/>
+                  </p:tgtEl>
+                </p:cond>
+              </p:prevCondLst>
+              <p:nextCondLst>
+                <p:cond evt="onNext" delay="0">
+                  <p:tgtEl>
+                    <p:sldTgt/>
+                  </p:tgtEl>
+                </p:cond>
+              </p:nextCondLst>
+            </p:seq>
+          </p:childTnLst>
+        </p:cTn>
+      </p:par>
+    </p:tnLst>
+    <p:bldLst>
+      <p:bldP spid="73" grpId="0"/>
+      <p:bldP spid="5" grpId="0" animBg="1"/>
+    </p:bldLst>
+  </p:timing>
+</p:sld>
+</file>
+
 <file path=ppt/slides/slide7.xml><?xml version="1.0" encoding="utf-8"?>
 <p:sld xmlns:a="http://schemas.openxmlformats.org/drawingml/2006/main" xmlns:r="http://schemas.openxmlformats.org/officeDocument/2006/relationships" xmlns:p="http://schemas.openxmlformats.org/presentationml/2006/main">
   <p:cSld>
@@ -44766,7 +44696,7 @@
             <a:pPr lvl="1"/>
             <a:r>
               <a:rPr lang="en-US" dirty="0"/>
-              <a:t>Forest, bushes, prairie, (ants and termites, mammals), </a:t>
+              <a:t>Forest, bushes, prairie, (ants and termites, small mammals), </a:t>
             </a:r>
             <a:r>
               <a:rPr lang="en-US" dirty="0" err="1"/>
@@ -44864,66 +44794,6 @@
               <a:rPr lang="en-US" b="1" dirty="0"/>
               <a:t>Verify your expectations</a:t>
             </a:r>
-          </a:p>
-        </p:txBody>
-      </p:sp>
-      <p:sp>
-        <p:nvSpPr>
-          <p:cNvPr id="8" name="Rectangle 7">
-            <a:extLst>
-              <a:ext uri="{FF2B5EF4-FFF2-40B4-BE49-F238E27FC236}">
-                <a16:creationId xmlns:a16="http://schemas.microsoft.com/office/drawing/2014/main" id="{1533FCA7-93BF-4004-A7A3-0656219B2E5C}"/>
-              </a:ext>
-            </a:extLst>
-          </p:cNvPr>
-          <p:cNvSpPr/>
-          <p:nvPr/>
-        </p:nvSpPr>
-        <p:spPr>
-          <a:xfrm>
-            <a:off x="358720" y="5104555"/>
-            <a:ext cx="9799693" cy="2194560"/>
-          </a:xfrm>
-          <a:prstGeom prst="rect">
-            <a:avLst/>
-          </a:prstGeom>
-          <a:solidFill>
-            <a:schemeClr val="bg1"/>
-          </a:solidFill>
-          <a:ln w="25400">
-            <a:noFill/>
-          </a:ln>
-          <a:effectLst/>
-        </p:spPr>
-        <p:style>
-          <a:lnRef idx="1">
-            <a:schemeClr val="accent1"/>
-          </a:lnRef>
-          <a:fillRef idx="3">
-            <a:schemeClr val="accent1"/>
-          </a:fillRef>
-          <a:effectRef idx="2">
-            <a:schemeClr val="accent1"/>
-          </a:effectRef>
-          <a:fontRef idx="minor">
-            <a:schemeClr val="lt1"/>
-          </a:fontRef>
-        </p:style>
-        <p:txBody>
-          <a:bodyPr lIns="72000" tIns="72000" rIns="72000" bIns="72000" rtlCol="0" anchor="ctr">
-            <a:spAutoFit/>
-          </a:bodyPr>
-          <a:lstStyle/>
-          <a:p>
-            <a:pPr algn="ctr"/>
-            <a:endParaRPr lang="en-GB" sz="2400" dirty="0">
-              <a:solidFill>
-                <a:schemeClr val="tx1"/>
-              </a:solidFill>
-              <a:latin typeface="Verdana" panose="020B0604030504040204" pitchFamily="34" charset="0"/>
-              <a:ea typeface="Verdana" panose="020B0604030504040204" pitchFamily="34" charset="0"/>
-              <a:cs typeface="Verdana" panose="020B0604030504040204" pitchFamily="34" charset="0"/>
-            </a:endParaRPr>
           </a:p>
         </p:txBody>
       </p:sp>
@@ -45241,7 +45111,7 @@
                                 </p:cTn>
                               </p:par>
                               <p:par>
-                                <p:cTn id="23" presetID="1" presetClass="entr" presetSubtype="0" fill="hold" grpId="0" nodeType="withEffect">
+                                <p:cTn id="23" presetID="1" presetClass="entr" presetSubtype="0" fill="hold" nodeType="withEffect">
                                   <p:stCondLst>
                                     <p:cond delay="0"/>
                                   </p:stCondLst>
@@ -45249,33 +45119,6 @@
                                     <p:set>
                                       <p:cBhvr>
                                         <p:cTn id="24" dur="1" fill="hold">
-                                          <p:stCondLst>
-                                            <p:cond delay="0"/>
-                                          </p:stCondLst>
-                                        </p:cTn>
-                                        <p:tgtEl>
-                                          <p:spTgt spid="8"/>
-                                        </p:tgtEl>
-                                        <p:attrNameLst>
-                                          <p:attrName>style.visibility</p:attrName>
-                                        </p:attrNameLst>
-                                      </p:cBhvr>
-                                      <p:to>
-                                        <p:strVal val="visible"/>
-                                      </p:to>
-                                    </p:set>
-                                  </p:childTnLst>
-                                </p:cTn>
-                              </p:par>
-                              <p:par>
-                                <p:cTn id="25" presetID="1" presetClass="entr" presetSubtype="0" fill="hold" nodeType="withEffect">
-                                  <p:stCondLst>
-                                    <p:cond delay="0"/>
-                                  </p:stCondLst>
-                                  <p:childTnLst>
-                                    <p:set>
-                                      <p:cBhvr>
-                                        <p:cTn id="26" dur="1" fill="hold">
                                           <p:stCondLst>
                                             <p:cond delay="0"/>
                                           </p:stCondLst>
@@ -45301,26 +45144,26 @@
                     </p:cTn>
                   </p:par>
                   <p:par>
-                    <p:cTn id="27" fill="hold">
+                    <p:cTn id="25" fill="hold">
                       <p:stCondLst>
                         <p:cond delay="indefinite"/>
                       </p:stCondLst>
                       <p:childTnLst>
                         <p:par>
-                          <p:cTn id="28" fill="hold">
+                          <p:cTn id="26" fill="hold">
                             <p:stCondLst>
                               <p:cond delay="0"/>
                             </p:stCondLst>
                             <p:childTnLst>
                               <p:par>
-                                <p:cTn id="29" presetID="1" presetClass="entr" presetSubtype="0" fill="hold" grpId="0" nodeType="clickEffect">
+                                <p:cTn id="27" presetID="1" presetClass="entr" presetSubtype="0" fill="hold" grpId="0" nodeType="clickEffect">
                                   <p:stCondLst>
                                     <p:cond delay="0"/>
                                   </p:stCondLst>
                                   <p:childTnLst>
                                     <p:set>
                                       <p:cBhvr>
-                                        <p:cTn id="30" dur="1" fill="hold">
+                                        <p:cTn id="28" dur="1" fill="hold">
                                           <p:stCondLst>
                                             <p:cond delay="0"/>
                                           </p:stCondLst>
@@ -45344,41 +45187,14 @@
                                 </p:cTn>
                               </p:par>
                               <p:par>
-                                <p:cTn id="31" presetID="1" presetClass="exit" presetSubtype="0" fill="hold" grpId="1" nodeType="withEffect">
+                                <p:cTn id="29" presetID="1" presetClass="exit" presetSubtype="0" fill="hold" nodeType="withEffect">
                                   <p:stCondLst>
                                     <p:cond delay="0"/>
                                   </p:stCondLst>
                                   <p:childTnLst>
                                     <p:set>
                                       <p:cBhvr>
-                                        <p:cTn id="32" dur="1" fill="hold">
-                                          <p:stCondLst>
-                                            <p:cond delay="0"/>
-                                          </p:stCondLst>
-                                        </p:cTn>
-                                        <p:tgtEl>
-                                          <p:spTgt spid="8"/>
-                                        </p:tgtEl>
-                                        <p:attrNameLst>
-                                          <p:attrName>style.visibility</p:attrName>
-                                        </p:attrNameLst>
-                                      </p:cBhvr>
-                                      <p:to>
-                                        <p:strVal val="hidden"/>
-                                      </p:to>
-                                    </p:set>
-                                  </p:childTnLst>
-                                </p:cTn>
-                              </p:par>
-                              <p:par>
-                                <p:cTn id="33" presetID="1" presetClass="exit" presetSubtype="0" fill="hold" nodeType="withEffect">
-                                  <p:stCondLst>
-                                    <p:cond delay="0"/>
-                                  </p:stCondLst>
-                                  <p:childTnLst>
-                                    <p:set>
-                                      <p:cBhvr>
-                                        <p:cTn id="34" dur="1" fill="hold">
+                                        <p:cTn id="30" dur="1" fill="hold">
                                           <p:stCondLst>
                                             <p:cond delay="0"/>
                                           </p:stCondLst>
@@ -45392,6 +45208,55 @@
                                       </p:cBhvr>
                                       <p:to>
                                         <p:strVal val="hidden"/>
+                                      </p:to>
+                                    </p:set>
+                                  </p:childTnLst>
+                                </p:cTn>
+                              </p:par>
+                            </p:childTnLst>
+                          </p:cTn>
+                        </p:par>
+                      </p:childTnLst>
+                    </p:cTn>
+                  </p:par>
+                  <p:par>
+                    <p:cTn id="31" fill="hold">
+                      <p:stCondLst>
+                        <p:cond delay="indefinite"/>
+                      </p:stCondLst>
+                      <p:childTnLst>
+                        <p:par>
+                          <p:cTn id="32" fill="hold">
+                            <p:stCondLst>
+                              <p:cond delay="0"/>
+                            </p:stCondLst>
+                            <p:childTnLst>
+                              <p:par>
+                                <p:cTn id="33" presetID="1" presetClass="entr" presetSubtype="0" fill="hold" grpId="0" nodeType="clickEffect">
+                                  <p:stCondLst>
+                                    <p:cond delay="0"/>
+                                  </p:stCondLst>
+                                  <p:childTnLst>
+                                    <p:set>
+                                      <p:cBhvr>
+                                        <p:cTn id="34" dur="1" fill="hold">
+                                          <p:stCondLst>
+                                            <p:cond delay="0"/>
+                                          </p:stCondLst>
+                                        </p:cTn>
+                                        <p:tgtEl>
+                                          <p:spTgt spid="5">
+                                            <p:txEl>
+                                              <p:pRg st="9" end="9"/>
+                                            </p:txEl>
+                                          </p:spTgt>
+                                        </p:tgtEl>
+                                        <p:attrNameLst>
+                                          <p:attrName>style.visibility</p:attrName>
+                                        </p:attrNameLst>
+                                      </p:cBhvr>
+                                      <p:to>
+                                        <p:strVal val="visible"/>
                                       </p:to>
                                     </p:set>
                                   </p:childTnLst>
@@ -45424,55 +45289,6 @@
                                     <p:set>
                                       <p:cBhvr>
                                         <p:cTn id="38" dur="1" fill="hold">
-                                          <p:stCondLst>
-                                            <p:cond delay="0"/>
-                                          </p:stCondLst>
-                                        </p:cTn>
-                                        <p:tgtEl>
-                                          <p:spTgt spid="5">
-                                            <p:txEl>
-                                              <p:pRg st="9" end="9"/>
-                                            </p:txEl>
-                                          </p:spTgt>
-                                        </p:tgtEl>
-                                        <p:attrNameLst>
-                                          <p:attrName>style.visibility</p:attrName>
-                                        </p:attrNameLst>
-                                      </p:cBhvr>
-                                      <p:to>
-                                        <p:strVal val="visible"/>
-                                      </p:to>
-                                    </p:set>
-                                  </p:childTnLst>
-                                </p:cTn>
-                              </p:par>
-                            </p:childTnLst>
-                          </p:cTn>
-                        </p:par>
-                      </p:childTnLst>
-                    </p:cTn>
-                  </p:par>
-                  <p:par>
-                    <p:cTn id="39" fill="hold">
-                      <p:stCondLst>
-                        <p:cond delay="indefinite"/>
-                      </p:stCondLst>
-                      <p:childTnLst>
-                        <p:par>
-                          <p:cTn id="40" fill="hold">
-                            <p:stCondLst>
-                              <p:cond delay="0"/>
-                            </p:stCondLst>
-                            <p:childTnLst>
-                              <p:par>
-                                <p:cTn id="41" presetID="1" presetClass="entr" presetSubtype="0" fill="hold" grpId="0" nodeType="clickEffect">
-                                  <p:stCondLst>
-                                    <p:cond delay="0"/>
-                                  </p:stCondLst>
-                                  <p:childTnLst>
-                                    <p:set>
-                                      <p:cBhvr>
-                                        <p:cTn id="42" dur="1" fill="hold">
                                           <p:stCondLst>
                                             <p:cond delay="0"/>
                                           </p:stCondLst>
@@ -45524,8 +45340,6 @@
     </p:tnLst>
     <p:bldLst>
       <p:bldP spid="5" grpId="0" uiExpand="1" build="p"/>
-      <p:bldP spid="8" grpId="0" animBg="1"/>
-      <p:bldP spid="8" grpId="1" animBg="1"/>
     </p:bldLst>
   </p:timing>
 </p:sld>
@@ -45865,6 +45679,41 @@
           </a:p>
         </p:txBody>
       </p:sp>
+      <p:pic>
+        <p:nvPicPr>
+          <p:cNvPr id="4" name="Grafik 3">
+            <a:extLst>
+              <a:ext uri="{FF2B5EF4-FFF2-40B4-BE49-F238E27FC236}">
+                <a16:creationId xmlns:a16="http://schemas.microsoft.com/office/drawing/2014/main" id="{5A4F6CB9-0434-488C-902B-A8C1FFA919CB}"/>
+              </a:ext>
+            </a:extLst>
+          </p:cNvPr>
+          <p:cNvPicPr>
+            <a:picLocks noChangeAspect="1"/>
+          </p:cNvPicPr>
+          <p:nvPr/>
+        </p:nvPicPr>
+        <p:blipFill rotWithShape="1">
+          <a:blip r:embed="rId2">
+            <a:extLst>
+              <a:ext uri="{28A0092B-C50C-407E-A947-70E740481C1C}">
+                <a14:useLocalDpi xmlns:a14="http://schemas.microsoft.com/office/drawing/2010/main" val="0"/>
+              </a:ext>
+            </a:extLst>
+          </a:blip>
+          <a:srcRect l="11067" t="27643" r="56838" b="43612"/>
+          <a:stretch/>
+        </p:blipFill>
+        <p:spPr>
+          <a:xfrm>
+            <a:off x="5655270" y="4333297"/>
+            <a:ext cx="3096344" cy="3096344"/>
+          </a:xfrm>
+          <a:prstGeom prst="rect">
+            <a:avLst/>
+          </a:prstGeom>
+        </p:spPr>
+      </p:pic>
     </p:spTree>
     <p:extLst>
       <p:ext uri="{BB962C8B-B14F-4D97-AF65-F5344CB8AC3E}">
@@ -46243,7 +46092,7 @@
       </p:par>
     </p:tnLst>
     <p:bldLst>
-      <p:bldP spid="5" grpId="0" build="p"/>
+      <p:bldP spid="5" grpId="0" uiExpand="1" build="p"/>
     </p:bldLst>
   </p:timing>
 </p:sld>
